--- a/OnPush Workshop.pptx
+++ b/OnPush Workshop.pptx
@@ -5,18 +5,19 @@
     <p:sldMasterId id="2147483648" r:id="rId2"/>
   </p:sldMasterIdLst>
   <p:notesMasterIdLst>
-    <p:notesMasterId r:id="rId9"/>
+    <p:notesMasterId r:id="rId10"/>
   </p:notesMasterIdLst>
   <p:handoutMasterIdLst>
-    <p:handoutMasterId r:id="rId10"/>
+    <p:handoutMasterId r:id="rId11"/>
   </p:handoutMasterIdLst>
   <p:sldIdLst>
     <p:sldId id="285" r:id="rId3"/>
-    <p:sldId id="289" r:id="rId4"/>
-    <p:sldId id="287" r:id="rId5"/>
-    <p:sldId id="290" r:id="rId6"/>
-    <p:sldId id="284" r:id="rId7"/>
-    <p:sldId id="274" r:id="rId8"/>
+    <p:sldId id="291" r:id="rId4"/>
+    <p:sldId id="289" r:id="rId5"/>
+    <p:sldId id="287" r:id="rId6"/>
+    <p:sldId id="290" r:id="rId7"/>
+    <p:sldId id="284" r:id="rId8"/>
+    <p:sldId id="274" r:id="rId9"/>
   </p:sldIdLst>
   <p:sldSz cx="12192000" cy="6858000"/>
   <p:notesSz cx="6858000" cy="9144000"/>
@@ -1488,26 +1489,6 @@
         </dgm:presLayoutVars>
       </dgm:prSet>
       <dgm:spPr/>
-    </dgm:pt>
-    <dgm:pt modelId="{74911B7E-EF75-4B5B-A373-4B33E289231B}" type="pres">
-      <dgm:prSet presAssocID="{938F2529-BB63-494A-8D98-70E229FE5656}" presName="hierRoot1" presStyleCnt="0">
-        <dgm:presLayoutVars>
-          <dgm:hierBranch val="init"/>
-        </dgm:presLayoutVars>
-      </dgm:prSet>
-      <dgm:spPr/>
-    </dgm:pt>
-    <dgm:pt modelId="{3B7CDBB2-6878-48ED-A687-7CF5D399703A}" type="pres">
-      <dgm:prSet presAssocID="{938F2529-BB63-494A-8D98-70E229FE5656}" presName="rootComposite1" presStyleCnt="0"/>
-      <dgm:spPr/>
-    </dgm:pt>
-    <dgm:pt modelId="{4BA606BE-BA68-487A-8DC6-A7E364B3D665}" type="pres">
-      <dgm:prSet presAssocID="{938F2529-BB63-494A-8D98-70E229FE5656}" presName="rootText1" presStyleLbl="node0" presStyleIdx="0" presStyleCnt="1">
-        <dgm:presLayoutVars>
-          <dgm:chPref val="3"/>
-        </dgm:presLayoutVars>
-      </dgm:prSet>
-      <dgm:spPr/>
       <dgm:t>
         <a:bodyPr/>
         <a:lstStyle/>
@@ -1516,64 +1497,20 @@
         </a:p>
       </dgm:t>
     </dgm:pt>
-    <dgm:pt modelId="{44DA7AD4-747D-4930-BD2F-14AE3D9FBB25}" type="pres">
-      <dgm:prSet presAssocID="{938F2529-BB63-494A-8D98-70E229FE5656}" presName="rootConnector1" presStyleLbl="node1" presStyleIdx="0" presStyleCnt="0"/>
-      <dgm:spPr/>
-    </dgm:pt>
-    <dgm:pt modelId="{EE00B562-29A5-4B45-8227-05DB5C40DB2F}" type="pres">
-      <dgm:prSet presAssocID="{938F2529-BB63-494A-8D98-70E229FE5656}" presName="hierChild2" presStyleCnt="0"/>
-      <dgm:spPr/>
-    </dgm:pt>
-    <dgm:pt modelId="{AD39CAF8-B350-4DCD-8D9E-D4126A4BD6C7}" type="pres">
-      <dgm:prSet presAssocID="{D3F7F743-A4C9-42F3-98C3-F7B591E6013E}" presName="Name37" presStyleLbl="parChTrans1D2" presStyleIdx="0" presStyleCnt="1"/>
-      <dgm:spPr/>
-    </dgm:pt>
-    <dgm:pt modelId="{28281083-5F2E-497E-8E43-0C1CBD19E920}" type="pres">
-      <dgm:prSet presAssocID="{5849EACB-4C12-45FD-913A-CF3486F2991E}" presName="hierRoot2" presStyleCnt="0">
+    <dgm:pt modelId="{74911B7E-EF75-4B5B-A373-4B33E289231B}" type="pres">
+      <dgm:prSet presAssocID="{938F2529-BB63-494A-8D98-70E229FE5656}" presName="hierRoot1" presStyleCnt="0">
         <dgm:presLayoutVars>
           <dgm:hierBranch val="init"/>
         </dgm:presLayoutVars>
       </dgm:prSet>
       <dgm:spPr/>
     </dgm:pt>
-    <dgm:pt modelId="{FC7B4F82-38FB-4725-9016-87C63B207447}" type="pres">
-      <dgm:prSet presAssocID="{5849EACB-4C12-45FD-913A-CF3486F2991E}" presName="rootComposite" presStyleCnt="0"/>
-      <dgm:spPr/>
-    </dgm:pt>
-    <dgm:pt modelId="{55F65988-8EB1-4346-9FBE-CA8BCE516611}" type="pres">
-      <dgm:prSet presAssocID="{5849EACB-4C12-45FD-913A-CF3486F2991E}" presName="rootText" presStyleLbl="node2" presStyleIdx="0" presStyleCnt="1">
-        <dgm:presLayoutVars>
-          <dgm:chPref val="3"/>
-        </dgm:presLayoutVars>
-      </dgm:prSet>
-      <dgm:spPr/>
-    </dgm:pt>
-    <dgm:pt modelId="{F9CA8B29-D736-4F01-B4F1-B674F6ECF38B}" type="pres">
-      <dgm:prSet presAssocID="{5849EACB-4C12-45FD-913A-CF3486F2991E}" presName="rootConnector" presStyleLbl="node2" presStyleIdx="0" presStyleCnt="1"/>
-      <dgm:spPr/>
-    </dgm:pt>
-    <dgm:pt modelId="{BB1D9D48-5D72-4DDD-8E03-03DD09726B0B}" type="pres">
-      <dgm:prSet presAssocID="{5849EACB-4C12-45FD-913A-CF3486F2991E}" presName="hierChild4" presStyleCnt="0"/>
-      <dgm:spPr/>
-    </dgm:pt>
-    <dgm:pt modelId="{A0E52255-A79D-42D0-B46B-94E48D08CF05}" type="pres">
-      <dgm:prSet presAssocID="{72B59536-4890-44DE-90F6-B5B00A3A0DEC}" presName="Name37" presStyleLbl="parChTrans1D3" presStyleIdx="0" presStyleCnt="3"/>
-      <dgm:spPr/>
-    </dgm:pt>
-    <dgm:pt modelId="{8D487DBE-EEF7-42D0-9BB9-591A4EF6FA35}" type="pres">
-      <dgm:prSet presAssocID="{7CCAD246-BB1F-44E1-AD48-8D5508912993}" presName="hierRoot2" presStyleCnt="0">
-        <dgm:presLayoutVars>
-          <dgm:hierBranch val="init"/>
-        </dgm:presLayoutVars>
-      </dgm:prSet>
-      <dgm:spPr/>
-    </dgm:pt>
-    <dgm:pt modelId="{FB982457-BD6B-46E6-A253-E70ACA085F38}" type="pres">
-      <dgm:prSet presAssocID="{7CCAD246-BB1F-44E1-AD48-8D5508912993}" presName="rootComposite" presStyleCnt="0"/>
-      <dgm:spPr/>
-    </dgm:pt>
-    <dgm:pt modelId="{88319BBD-6402-4751-846C-35A303B92BE1}" type="pres">
-      <dgm:prSet presAssocID="{7CCAD246-BB1F-44E1-AD48-8D5508912993}" presName="rootText" presStyleLbl="node3" presStyleIdx="0" presStyleCnt="3">
+    <dgm:pt modelId="{3B7CDBB2-6878-48ED-A687-7CF5D399703A}" type="pres">
+      <dgm:prSet presAssocID="{938F2529-BB63-494A-8D98-70E229FE5656}" presName="rootComposite1" presStyleCnt="0"/>
+      <dgm:spPr/>
+    </dgm:pt>
+    <dgm:pt modelId="{4BA606BE-BA68-487A-8DC6-A7E364B3D665}" type="pres">
+      <dgm:prSet presAssocID="{938F2529-BB63-494A-8D98-70E229FE5656}" presName="rootText1" presStyleLbl="node0" presStyleIdx="0" presStyleCnt="1">
         <dgm:presLayoutVars>
           <dgm:chPref val="3"/>
         </dgm:presLayoutVars>
@@ -1587,36 +1524,8 @@
         </a:p>
       </dgm:t>
     </dgm:pt>
-    <dgm:pt modelId="{073D4CEA-A291-4885-98D7-FBBEA71F0EA8}" type="pres">
-      <dgm:prSet presAssocID="{7CCAD246-BB1F-44E1-AD48-8D5508912993}" presName="rootConnector" presStyleLbl="node3" presStyleIdx="0" presStyleCnt="3"/>
-      <dgm:spPr/>
-    </dgm:pt>
-    <dgm:pt modelId="{4DF688D7-AD28-4A50-99CE-64F4371DC53E}" type="pres">
-      <dgm:prSet presAssocID="{7CCAD246-BB1F-44E1-AD48-8D5508912993}" presName="hierChild4" presStyleCnt="0"/>
-      <dgm:spPr/>
-    </dgm:pt>
-    <dgm:pt modelId="{109D349E-8E3A-4D93-8F4D-A2FFF2404386}" type="pres">
-      <dgm:prSet presAssocID="{0CD091D9-9AD6-456E-A514-ADBE80B7E88B}" presName="Name37" presStyleLbl="parChTrans1D4" presStyleIdx="0" presStyleCnt="9"/>
-      <dgm:spPr/>
-    </dgm:pt>
-    <dgm:pt modelId="{7A7DA80D-F4E1-4D06-8DD4-961E698EECE7}" type="pres">
-      <dgm:prSet presAssocID="{C3F1940B-C05D-490B-ADAE-51631AE43B72}" presName="hierRoot2" presStyleCnt="0">
-        <dgm:presLayoutVars>
-          <dgm:hierBranch val="init"/>
-        </dgm:presLayoutVars>
-      </dgm:prSet>
-      <dgm:spPr/>
-    </dgm:pt>
-    <dgm:pt modelId="{66032763-A174-4B85-8F58-AE9494C1A349}" type="pres">
-      <dgm:prSet presAssocID="{C3F1940B-C05D-490B-ADAE-51631AE43B72}" presName="rootComposite" presStyleCnt="0"/>
-      <dgm:spPr/>
-    </dgm:pt>
-    <dgm:pt modelId="{F7692701-18A6-4940-87EC-E2A8B457ABD4}" type="pres">
-      <dgm:prSet presAssocID="{C3F1940B-C05D-490B-ADAE-51631AE43B72}" presName="rootText" presStyleLbl="node4" presStyleIdx="0" presStyleCnt="9" custLinFactNeighborY="2122">
-        <dgm:presLayoutVars>
-          <dgm:chPref val="3"/>
-        </dgm:presLayoutVars>
-      </dgm:prSet>
+    <dgm:pt modelId="{44DA7AD4-747D-4930-BD2F-14AE3D9FBB25}" type="pres">
+      <dgm:prSet presAssocID="{938F2529-BB63-494A-8D98-70E229FE5656}" presName="rootConnector1" presStyleLbl="node1" presStyleIdx="0" presStyleCnt="0"/>
       <dgm:spPr/>
       <dgm:t>
         <a:bodyPr/>
@@ -1626,80 +1535,12 @@
         </a:p>
       </dgm:t>
     </dgm:pt>
-    <dgm:pt modelId="{E26CF45E-E31C-4F26-8D65-A62D37BC69E4}" type="pres">
-      <dgm:prSet presAssocID="{C3F1940B-C05D-490B-ADAE-51631AE43B72}" presName="rootConnector" presStyleLbl="node4" presStyleIdx="0" presStyleCnt="9"/>
-      <dgm:spPr/>
-    </dgm:pt>
-    <dgm:pt modelId="{91B8A224-9E7C-4436-A7F8-7A9D7891D63A}" type="pres">
-      <dgm:prSet presAssocID="{C3F1940B-C05D-490B-ADAE-51631AE43B72}" presName="hierChild4" presStyleCnt="0"/>
-      <dgm:spPr/>
-    </dgm:pt>
-    <dgm:pt modelId="{6C202DB9-6458-4E5F-8B35-79C3575B6612}" type="pres">
-      <dgm:prSet presAssocID="{C3F1940B-C05D-490B-ADAE-51631AE43B72}" presName="hierChild5" presStyleCnt="0"/>
-      <dgm:spPr/>
-    </dgm:pt>
-    <dgm:pt modelId="{ADA1C941-697B-4111-9E7F-070D35E79B6D}" type="pres">
-      <dgm:prSet presAssocID="{F032CEFA-7B9E-4868-B768-D2E4A0DFB6F2}" presName="Name37" presStyleLbl="parChTrans1D4" presStyleIdx="1" presStyleCnt="9"/>
-      <dgm:spPr/>
-    </dgm:pt>
-    <dgm:pt modelId="{010E552F-409C-4A2B-83F3-B264C1F9EE89}" type="pres">
-      <dgm:prSet presAssocID="{5EF33C6D-D901-48C1-8BCF-75C8FDD97130}" presName="hierRoot2" presStyleCnt="0">
-        <dgm:presLayoutVars>
-          <dgm:hierBranch val="init"/>
-        </dgm:presLayoutVars>
-      </dgm:prSet>
-      <dgm:spPr/>
-    </dgm:pt>
-    <dgm:pt modelId="{E8FEF415-C7D5-47C3-8379-8C718D7FFB7B}" type="pres">
-      <dgm:prSet presAssocID="{5EF33C6D-D901-48C1-8BCF-75C8FDD97130}" presName="rootComposite" presStyleCnt="0"/>
-      <dgm:spPr/>
-    </dgm:pt>
-    <dgm:pt modelId="{A554B88B-2AE9-4346-8977-D74A9614806C}" type="pres">
-      <dgm:prSet presAssocID="{5EF33C6D-D901-48C1-8BCF-75C8FDD97130}" presName="rootText" presStyleLbl="node4" presStyleIdx="1" presStyleCnt="9" custLinFactX="-25985" custLinFactY="-40002" custLinFactNeighborX="-100000" custLinFactNeighborY="-100000">
-        <dgm:presLayoutVars>
-          <dgm:chPref val="3"/>
-        </dgm:presLayoutVars>
-      </dgm:prSet>
-      <dgm:spPr/>
-    </dgm:pt>
-    <dgm:pt modelId="{1A3A63AD-C5F0-4464-AAAE-2DF46D8EE425}" type="pres">
-      <dgm:prSet presAssocID="{5EF33C6D-D901-48C1-8BCF-75C8FDD97130}" presName="rootConnector" presStyleLbl="node4" presStyleIdx="1" presStyleCnt="9"/>
-      <dgm:spPr/>
-    </dgm:pt>
-    <dgm:pt modelId="{C541228D-42E2-48B3-AB3B-C6A0F3300164}" type="pres">
-      <dgm:prSet presAssocID="{5EF33C6D-D901-48C1-8BCF-75C8FDD97130}" presName="hierChild4" presStyleCnt="0"/>
-      <dgm:spPr/>
-    </dgm:pt>
-    <dgm:pt modelId="{403EF9E3-EA4C-42F8-815D-F6C3A0F6B9C9}" type="pres">
-      <dgm:prSet presAssocID="{5EF33C6D-D901-48C1-8BCF-75C8FDD97130}" presName="hierChild5" presStyleCnt="0"/>
-      <dgm:spPr/>
-    </dgm:pt>
-    <dgm:pt modelId="{E844552F-DB74-4D70-A97C-5F078E1AC9BC}" type="pres">
-      <dgm:prSet presAssocID="{7CCAD246-BB1F-44E1-AD48-8D5508912993}" presName="hierChild5" presStyleCnt="0"/>
-      <dgm:spPr/>
-    </dgm:pt>
-    <dgm:pt modelId="{055A5B9B-C39D-45B8-85A6-3E8AC04CC563}" type="pres">
-      <dgm:prSet presAssocID="{403FF21F-63C3-4D88-AC2D-68C50E1958BC}" presName="Name37" presStyleLbl="parChTrans1D3" presStyleIdx="1" presStyleCnt="3"/>
-      <dgm:spPr/>
-    </dgm:pt>
-    <dgm:pt modelId="{F0AC6513-FD50-452D-B973-06DC3C5000AC}" type="pres">
-      <dgm:prSet presAssocID="{7172ED49-31E9-44CB-B111-F91C94D49A5E}" presName="hierRoot2" presStyleCnt="0">
-        <dgm:presLayoutVars>
-          <dgm:hierBranch val="init"/>
-        </dgm:presLayoutVars>
-      </dgm:prSet>
-      <dgm:spPr/>
-    </dgm:pt>
-    <dgm:pt modelId="{B2EF2C85-DC5C-497B-8D12-FE6ECD3B4C4E}" type="pres">
-      <dgm:prSet presAssocID="{7172ED49-31E9-44CB-B111-F91C94D49A5E}" presName="rootComposite" presStyleCnt="0"/>
-      <dgm:spPr/>
-    </dgm:pt>
-    <dgm:pt modelId="{3868CFAD-7A69-4187-BDBB-651327AC451B}" type="pres">
-      <dgm:prSet presAssocID="{7172ED49-31E9-44CB-B111-F91C94D49A5E}" presName="rootText" presStyleLbl="node3" presStyleIdx="1" presStyleCnt="3">
-        <dgm:presLayoutVars>
-          <dgm:chPref val="3"/>
-        </dgm:presLayoutVars>
-      </dgm:prSet>
+    <dgm:pt modelId="{EE00B562-29A5-4B45-8227-05DB5C40DB2F}" type="pres">
+      <dgm:prSet presAssocID="{938F2529-BB63-494A-8D98-70E229FE5656}" presName="hierChild2" presStyleCnt="0"/>
+      <dgm:spPr/>
+    </dgm:pt>
+    <dgm:pt modelId="{AD39CAF8-B350-4DCD-8D9E-D4126A4BD6C7}" type="pres">
+      <dgm:prSet presAssocID="{D3F7F743-A4C9-42F3-98C3-F7B591E6013E}" presName="Name37" presStyleLbl="parChTrans1D2" presStyleIdx="0" presStyleCnt="1"/>
       <dgm:spPr/>
       <dgm:t>
         <a:bodyPr/>
@@ -1709,32 +1550,20 @@
         </a:p>
       </dgm:t>
     </dgm:pt>
-    <dgm:pt modelId="{92B36B44-D57C-47E0-8A4A-C26B78F66BFF}" type="pres">
-      <dgm:prSet presAssocID="{7172ED49-31E9-44CB-B111-F91C94D49A5E}" presName="rootConnector" presStyleLbl="node3" presStyleIdx="1" presStyleCnt="3"/>
-      <dgm:spPr/>
-    </dgm:pt>
-    <dgm:pt modelId="{066B8D48-F363-40CA-A913-1160A7A0698C}" type="pres">
-      <dgm:prSet presAssocID="{7172ED49-31E9-44CB-B111-F91C94D49A5E}" presName="hierChild4" presStyleCnt="0"/>
-      <dgm:spPr/>
-    </dgm:pt>
-    <dgm:pt modelId="{D8640681-F1A8-44AB-A1D0-F3DB5D03A0B8}" type="pres">
-      <dgm:prSet presAssocID="{F2704827-8DCD-479E-9A5A-C8114E131A32}" presName="Name37" presStyleLbl="parChTrans1D4" presStyleIdx="2" presStyleCnt="9"/>
-      <dgm:spPr/>
-    </dgm:pt>
-    <dgm:pt modelId="{AE222C18-7233-4FBB-AAAB-E6588BDD51DE}" type="pres">
-      <dgm:prSet presAssocID="{830F1437-48D7-4204-9CEE-386F22BA0C7F}" presName="hierRoot2" presStyleCnt="0">
+    <dgm:pt modelId="{28281083-5F2E-497E-8E43-0C1CBD19E920}" type="pres">
+      <dgm:prSet presAssocID="{5849EACB-4C12-45FD-913A-CF3486F2991E}" presName="hierRoot2" presStyleCnt="0">
         <dgm:presLayoutVars>
           <dgm:hierBranch val="init"/>
         </dgm:presLayoutVars>
       </dgm:prSet>
       <dgm:spPr/>
     </dgm:pt>
-    <dgm:pt modelId="{34EDF6B0-178E-4400-A81D-2D2837D8D644}" type="pres">
-      <dgm:prSet presAssocID="{830F1437-48D7-4204-9CEE-386F22BA0C7F}" presName="rootComposite" presStyleCnt="0"/>
-      <dgm:spPr/>
-    </dgm:pt>
-    <dgm:pt modelId="{7957062C-C558-409B-B9F8-DBC2D25185FA}" type="pres">
-      <dgm:prSet presAssocID="{830F1437-48D7-4204-9CEE-386F22BA0C7F}" presName="rootText" presStyleLbl="node4" presStyleIdx="2" presStyleCnt="9">
+    <dgm:pt modelId="{FC7B4F82-38FB-4725-9016-87C63B207447}" type="pres">
+      <dgm:prSet presAssocID="{5849EACB-4C12-45FD-913A-CF3486F2991E}" presName="rootComposite" presStyleCnt="0"/>
+      <dgm:spPr/>
+    </dgm:pt>
+    <dgm:pt modelId="{55F65988-8EB1-4346-9FBE-CA8BCE516611}" type="pres">
+      <dgm:prSet presAssocID="{5849EACB-4C12-45FD-913A-CF3486F2991E}" presName="rootText" presStyleLbl="node2" presStyleIdx="0" presStyleCnt="1">
         <dgm:presLayoutVars>
           <dgm:chPref val="3"/>
         </dgm:presLayoutVars>
@@ -1748,44 +1577,8 @@
         </a:p>
       </dgm:t>
     </dgm:pt>
-    <dgm:pt modelId="{2EF8E788-7072-4780-B286-333F0862BEA8}" type="pres">
-      <dgm:prSet presAssocID="{830F1437-48D7-4204-9CEE-386F22BA0C7F}" presName="rootConnector" presStyleLbl="node4" presStyleIdx="2" presStyleCnt="9"/>
-      <dgm:spPr/>
-    </dgm:pt>
-    <dgm:pt modelId="{AACF74B5-0201-4CFE-BD08-BC077833FE16}" type="pres">
-      <dgm:prSet presAssocID="{830F1437-48D7-4204-9CEE-386F22BA0C7F}" presName="hierChild4" presStyleCnt="0"/>
-      <dgm:spPr/>
-    </dgm:pt>
-    <dgm:pt modelId="{46AD1288-FF4B-4F48-AE45-34E74EF6EE1C}" type="pres">
-      <dgm:prSet presAssocID="{830F1437-48D7-4204-9CEE-386F22BA0C7F}" presName="hierChild5" presStyleCnt="0"/>
-      <dgm:spPr/>
-    </dgm:pt>
-    <dgm:pt modelId="{779B8FE6-A569-44BB-92EE-14243E83D70A}" type="pres">
-      <dgm:prSet presAssocID="{7172ED49-31E9-44CB-B111-F91C94D49A5E}" presName="hierChild5" presStyleCnt="0"/>
-      <dgm:spPr/>
-    </dgm:pt>
-    <dgm:pt modelId="{C91C80C0-0611-405A-8150-CD1A2468F956}" type="pres">
-      <dgm:prSet presAssocID="{B4981DC2-20E6-4F17-9EA0-643AA8C05E94}" presName="Name37" presStyleLbl="parChTrans1D3" presStyleIdx="2" presStyleCnt="3"/>
-      <dgm:spPr/>
-    </dgm:pt>
-    <dgm:pt modelId="{92D62FF8-1A52-442A-916C-DCEEC76621D3}" type="pres">
-      <dgm:prSet presAssocID="{36FB2AE7-ADE2-41E3-BD7B-22955DF99845}" presName="hierRoot2" presStyleCnt="0">
-        <dgm:presLayoutVars>
-          <dgm:hierBranch val="init"/>
-        </dgm:presLayoutVars>
-      </dgm:prSet>
-      <dgm:spPr/>
-    </dgm:pt>
-    <dgm:pt modelId="{BE9B0AE2-922E-49A0-BE49-504D3BE2E111}" type="pres">
-      <dgm:prSet presAssocID="{36FB2AE7-ADE2-41E3-BD7B-22955DF99845}" presName="rootComposite" presStyleCnt="0"/>
-      <dgm:spPr/>
-    </dgm:pt>
-    <dgm:pt modelId="{97C4F649-D4C3-4FF9-9DAB-B4F28D3FFFB1}" type="pres">
-      <dgm:prSet presAssocID="{36FB2AE7-ADE2-41E3-BD7B-22955DF99845}" presName="rootText" presStyleLbl="node3" presStyleIdx="2" presStyleCnt="3">
-        <dgm:presLayoutVars>
-          <dgm:chPref val="3"/>
-        </dgm:presLayoutVars>
-      </dgm:prSet>
+    <dgm:pt modelId="{F9CA8B29-D736-4F01-B4F1-B674F6ECF38B}" type="pres">
+      <dgm:prSet presAssocID="{5849EACB-4C12-45FD-913A-CF3486F2991E}" presName="rootConnector" presStyleLbl="node2" presStyleIdx="0" presStyleCnt="1"/>
       <dgm:spPr/>
       <dgm:t>
         <a:bodyPr/>
@@ -1795,36 +1588,12 @@
         </a:p>
       </dgm:t>
     </dgm:pt>
-    <dgm:pt modelId="{F28E8B05-5790-4286-AE52-FCE606889D46}" type="pres">
-      <dgm:prSet presAssocID="{36FB2AE7-ADE2-41E3-BD7B-22955DF99845}" presName="rootConnector" presStyleLbl="node3" presStyleIdx="2" presStyleCnt="3"/>
-      <dgm:spPr/>
-    </dgm:pt>
-    <dgm:pt modelId="{BB2B8DC0-7B06-49D5-BB30-AD0A3D3E70F8}" type="pres">
-      <dgm:prSet presAssocID="{36FB2AE7-ADE2-41E3-BD7B-22955DF99845}" presName="hierChild4" presStyleCnt="0"/>
-      <dgm:spPr/>
-    </dgm:pt>
-    <dgm:pt modelId="{8C89FA41-30DC-43DB-A7F5-33ED4810F2F1}" type="pres">
-      <dgm:prSet presAssocID="{2A4AECB2-5AEE-4E82-9821-5F192BBDC82C}" presName="Name37" presStyleLbl="parChTrans1D4" presStyleIdx="3" presStyleCnt="9"/>
-      <dgm:spPr/>
-    </dgm:pt>
-    <dgm:pt modelId="{1BECF954-6DD9-4B3C-B192-197F21DCC65C}" type="pres">
-      <dgm:prSet presAssocID="{0C35A8F1-AD30-4B09-846B-1D4C874A78C3}" presName="hierRoot2" presStyleCnt="0">
-        <dgm:presLayoutVars>
-          <dgm:hierBranch val="init"/>
-        </dgm:presLayoutVars>
-      </dgm:prSet>
-      <dgm:spPr/>
-    </dgm:pt>
-    <dgm:pt modelId="{98846015-520A-4E8C-A7D0-36FBC9068981}" type="pres">
-      <dgm:prSet presAssocID="{0C35A8F1-AD30-4B09-846B-1D4C874A78C3}" presName="rootComposite" presStyleCnt="0"/>
-      <dgm:spPr/>
-    </dgm:pt>
-    <dgm:pt modelId="{244D5103-F0BE-4CE1-AB04-879F26B64BC5}" type="pres">
-      <dgm:prSet presAssocID="{0C35A8F1-AD30-4B09-846B-1D4C874A78C3}" presName="rootText" presStyleLbl="node4" presStyleIdx="3" presStyleCnt="9">
-        <dgm:presLayoutVars>
-          <dgm:chPref val="3"/>
-        </dgm:presLayoutVars>
-      </dgm:prSet>
+    <dgm:pt modelId="{BB1D9D48-5D72-4DDD-8E03-03DD09726B0B}" type="pres">
+      <dgm:prSet presAssocID="{5849EACB-4C12-45FD-913A-CF3486F2991E}" presName="hierChild4" presStyleCnt="0"/>
+      <dgm:spPr/>
+    </dgm:pt>
+    <dgm:pt modelId="{A0E52255-A79D-42D0-B46B-94E48D08CF05}" type="pres">
+      <dgm:prSet presAssocID="{72B59536-4890-44DE-90F6-B5B00A3A0DEC}" presName="Name37" presStyleLbl="parChTrans1D3" presStyleIdx="0" presStyleCnt="3"/>
       <dgm:spPr/>
       <dgm:t>
         <a:bodyPr/>
@@ -1834,9 +1603,381 @@
         </a:p>
       </dgm:t>
     </dgm:pt>
+    <dgm:pt modelId="{8D487DBE-EEF7-42D0-9BB9-591A4EF6FA35}" type="pres">
+      <dgm:prSet presAssocID="{7CCAD246-BB1F-44E1-AD48-8D5508912993}" presName="hierRoot2" presStyleCnt="0">
+        <dgm:presLayoutVars>
+          <dgm:hierBranch val="init"/>
+        </dgm:presLayoutVars>
+      </dgm:prSet>
+      <dgm:spPr/>
+    </dgm:pt>
+    <dgm:pt modelId="{FB982457-BD6B-46E6-A253-E70ACA085F38}" type="pres">
+      <dgm:prSet presAssocID="{7CCAD246-BB1F-44E1-AD48-8D5508912993}" presName="rootComposite" presStyleCnt="0"/>
+      <dgm:spPr/>
+    </dgm:pt>
+    <dgm:pt modelId="{88319BBD-6402-4751-846C-35A303B92BE1}" type="pres">
+      <dgm:prSet presAssocID="{7CCAD246-BB1F-44E1-AD48-8D5508912993}" presName="rootText" presStyleLbl="node3" presStyleIdx="0" presStyleCnt="3">
+        <dgm:presLayoutVars>
+          <dgm:chPref val="3"/>
+        </dgm:presLayoutVars>
+      </dgm:prSet>
+      <dgm:spPr/>
+      <dgm:t>
+        <a:bodyPr/>
+        <a:lstStyle/>
+        <a:p>
+          <a:endParaRPr lang="en-US"/>
+        </a:p>
+      </dgm:t>
+    </dgm:pt>
+    <dgm:pt modelId="{073D4CEA-A291-4885-98D7-FBBEA71F0EA8}" type="pres">
+      <dgm:prSet presAssocID="{7CCAD246-BB1F-44E1-AD48-8D5508912993}" presName="rootConnector" presStyleLbl="node3" presStyleIdx="0" presStyleCnt="3"/>
+      <dgm:spPr/>
+      <dgm:t>
+        <a:bodyPr/>
+        <a:lstStyle/>
+        <a:p>
+          <a:endParaRPr lang="en-US"/>
+        </a:p>
+      </dgm:t>
+    </dgm:pt>
+    <dgm:pt modelId="{4DF688D7-AD28-4A50-99CE-64F4371DC53E}" type="pres">
+      <dgm:prSet presAssocID="{7CCAD246-BB1F-44E1-AD48-8D5508912993}" presName="hierChild4" presStyleCnt="0"/>
+      <dgm:spPr/>
+    </dgm:pt>
+    <dgm:pt modelId="{109D349E-8E3A-4D93-8F4D-A2FFF2404386}" type="pres">
+      <dgm:prSet presAssocID="{0CD091D9-9AD6-456E-A514-ADBE80B7E88B}" presName="Name37" presStyleLbl="parChTrans1D4" presStyleIdx="0" presStyleCnt="9"/>
+      <dgm:spPr/>
+      <dgm:t>
+        <a:bodyPr/>
+        <a:lstStyle/>
+        <a:p>
+          <a:endParaRPr lang="en-US"/>
+        </a:p>
+      </dgm:t>
+    </dgm:pt>
+    <dgm:pt modelId="{7A7DA80D-F4E1-4D06-8DD4-961E698EECE7}" type="pres">
+      <dgm:prSet presAssocID="{C3F1940B-C05D-490B-ADAE-51631AE43B72}" presName="hierRoot2" presStyleCnt="0">
+        <dgm:presLayoutVars>
+          <dgm:hierBranch val="init"/>
+        </dgm:presLayoutVars>
+      </dgm:prSet>
+      <dgm:spPr/>
+    </dgm:pt>
+    <dgm:pt modelId="{66032763-A174-4B85-8F58-AE9494C1A349}" type="pres">
+      <dgm:prSet presAssocID="{C3F1940B-C05D-490B-ADAE-51631AE43B72}" presName="rootComposite" presStyleCnt="0"/>
+      <dgm:spPr/>
+    </dgm:pt>
+    <dgm:pt modelId="{F7692701-18A6-4940-87EC-E2A8B457ABD4}" type="pres">
+      <dgm:prSet presAssocID="{C3F1940B-C05D-490B-ADAE-51631AE43B72}" presName="rootText" presStyleLbl="node4" presStyleIdx="0" presStyleCnt="9" custLinFactNeighborY="2122">
+        <dgm:presLayoutVars>
+          <dgm:chPref val="3"/>
+        </dgm:presLayoutVars>
+      </dgm:prSet>
+      <dgm:spPr/>
+      <dgm:t>
+        <a:bodyPr/>
+        <a:lstStyle/>
+        <a:p>
+          <a:endParaRPr lang="en-US"/>
+        </a:p>
+      </dgm:t>
+    </dgm:pt>
+    <dgm:pt modelId="{E26CF45E-E31C-4F26-8D65-A62D37BC69E4}" type="pres">
+      <dgm:prSet presAssocID="{C3F1940B-C05D-490B-ADAE-51631AE43B72}" presName="rootConnector" presStyleLbl="node4" presStyleIdx="0" presStyleCnt="9"/>
+      <dgm:spPr/>
+      <dgm:t>
+        <a:bodyPr/>
+        <a:lstStyle/>
+        <a:p>
+          <a:endParaRPr lang="en-US"/>
+        </a:p>
+      </dgm:t>
+    </dgm:pt>
+    <dgm:pt modelId="{91B8A224-9E7C-4436-A7F8-7A9D7891D63A}" type="pres">
+      <dgm:prSet presAssocID="{C3F1940B-C05D-490B-ADAE-51631AE43B72}" presName="hierChild4" presStyleCnt="0"/>
+      <dgm:spPr/>
+    </dgm:pt>
+    <dgm:pt modelId="{6C202DB9-6458-4E5F-8B35-79C3575B6612}" type="pres">
+      <dgm:prSet presAssocID="{C3F1940B-C05D-490B-ADAE-51631AE43B72}" presName="hierChild5" presStyleCnt="0"/>
+      <dgm:spPr/>
+    </dgm:pt>
+    <dgm:pt modelId="{ADA1C941-697B-4111-9E7F-070D35E79B6D}" type="pres">
+      <dgm:prSet presAssocID="{F032CEFA-7B9E-4868-B768-D2E4A0DFB6F2}" presName="Name37" presStyleLbl="parChTrans1D4" presStyleIdx="1" presStyleCnt="9"/>
+      <dgm:spPr/>
+      <dgm:t>
+        <a:bodyPr/>
+        <a:lstStyle/>
+        <a:p>
+          <a:endParaRPr lang="en-US"/>
+        </a:p>
+      </dgm:t>
+    </dgm:pt>
+    <dgm:pt modelId="{010E552F-409C-4A2B-83F3-B264C1F9EE89}" type="pres">
+      <dgm:prSet presAssocID="{5EF33C6D-D901-48C1-8BCF-75C8FDD97130}" presName="hierRoot2" presStyleCnt="0">
+        <dgm:presLayoutVars>
+          <dgm:hierBranch val="init"/>
+        </dgm:presLayoutVars>
+      </dgm:prSet>
+      <dgm:spPr/>
+    </dgm:pt>
+    <dgm:pt modelId="{E8FEF415-C7D5-47C3-8379-8C718D7FFB7B}" type="pres">
+      <dgm:prSet presAssocID="{5EF33C6D-D901-48C1-8BCF-75C8FDD97130}" presName="rootComposite" presStyleCnt="0"/>
+      <dgm:spPr/>
+    </dgm:pt>
+    <dgm:pt modelId="{A554B88B-2AE9-4346-8977-D74A9614806C}" type="pres">
+      <dgm:prSet presAssocID="{5EF33C6D-D901-48C1-8BCF-75C8FDD97130}" presName="rootText" presStyleLbl="node4" presStyleIdx="1" presStyleCnt="9" custLinFactX="-25985" custLinFactY="-40002" custLinFactNeighborX="-100000" custLinFactNeighborY="-100000">
+        <dgm:presLayoutVars>
+          <dgm:chPref val="3"/>
+        </dgm:presLayoutVars>
+      </dgm:prSet>
+      <dgm:spPr/>
+      <dgm:t>
+        <a:bodyPr/>
+        <a:lstStyle/>
+        <a:p>
+          <a:endParaRPr lang="en-US"/>
+        </a:p>
+      </dgm:t>
+    </dgm:pt>
+    <dgm:pt modelId="{1A3A63AD-C5F0-4464-AAAE-2DF46D8EE425}" type="pres">
+      <dgm:prSet presAssocID="{5EF33C6D-D901-48C1-8BCF-75C8FDD97130}" presName="rootConnector" presStyleLbl="node4" presStyleIdx="1" presStyleCnt="9"/>
+      <dgm:spPr/>
+      <dgm:t>
+        <a:bodyPr/>
+        <a:lstStyle/>
+        <a:p>
+          <a:endParaRPr lang="en-US"/>
+        </a:p>
+      </dgm:t>
+    </dgm:pt>
+    <dgm:pt modelId="{C541228D-42E2-48B3-AB3B-C6A0F3300164}" type="pres">
+      <dgm:prSet presAssocID="{5EF33C6D-D901-48C1-8BCF-75C8FDD97130}" presName="hierChild4" presStyleCnt="0"/>
+      <dgm:spPr/>
+    </dgm:pt>
+    <dgm:pt modelId="{403EF9E3-EA4C-42F8-815D-F6C3A0F6B9C9}" type="pres">
+      <dgm:prSet presAssocID="{5EF33C6D-D901-48C1-8BCF-75C8FDD97130}" presName="hierChild5" presStyleCnt="0"/>
+      <dgm:spPr/>
+    </dgm:pt>
+    <dgm:pt modelId="{E844552F-DB74-4D70-A97C-5F078E1AC9BC}" type="pres">
+      <dgm:prSet presAssocID="{7CCAD246-BB1F-44E1-AD48-8D5508912993}" presName="hierChild5" presStyleCnt="0"/>
+      <dgm:spPr/>
+    </dgm:pt>
+    <dgm:pt modelId="{055A5B9B-C39D-45B8-85A6-3E8AC04CC563}" type="pres">
+      <dgm:prSet presAssocID="{403FF21F-63C3-4D88-AC2D-68C50E1958BC}" presName="Name37" presStyleLbl="parChTrans1D3" presStyleIdx="1" presStyleCnt="3"/>
+      <dgm:spPr/>
+      <dgm:t>
+        <a:bodyPr/>
+        <a:lstStyle/>
+        <a:p>
+          <a:endParaRPr lang="en-US"/>
+        </a:p>
+      </dgm:t>
+    </dgm:pt>
+    <dgm:pt modelId="{F0AC6513-FD50-452D-B973-06DC3C5000AC}" type="pres">
+      <dgm:prSet presAssocID="{7172ED49-31E9-44CB-B111-F91C94D49A5E}" presName="hierRoot2" presStyleCnt="0">
+        <dgm:presLayoutVars>
+          <dgm:hierBranch val="init"/>
+        </dgm:presLayoutVars>
+      </dgm:prSet>
+      <dgm:spPr/>
+    </dgm:pt>
+    <dgm:pt modelId="{B2EF2C85-DC5C-497B-8D12-FE6ECD3B4C4E}" type="pres">
+      <dgm:prSet presAssocID="{7172ED49-31E9-44CB-B111-F91C94D49A5E}" presName="rootComposite" presStyleCnt="0"/>
+      <dgm:spPr/>
+    </dgm:pt>
+    <dgm:pt modelId="{3868CFAD-7A69-4187-BDBB-651327AC451B}" type="pres">
+      <dgm:prSet presAssocID="{7172ED49-31E9-44CB-B111-F91C94D49A5E}" presName="rootText" presStyleLbl="node3" presStyleIdx="1" presStyleCnt="3">
+        <dgm:presLayoutVars>
+          <dgm:chPref val="3"/>
+        </dgm:presLayoutVars>
+      </dgm:prSet>
+      <dgm:spPr/>
+      <dgm:t>
+        <a:bodyPr/>
+        <a:lstStyle/>
+        <a:p>
+          <a:endParaRPr lang="en-US"/>
+        </a:p>
+      </dgm:t>
+    </dgm:pt>
+    <dgm:pt modelId="{92B36B44-D57C-47E0-8A4A-C26B78F66BFF}" type="pres">
+      <dgm:prSet presAssocID="{7172ED49-31E9-44CB-B111-F91C94D49A5E}" presName="rootConnector" presStyleLbl="node3" presStyleIdx="1" presStyleCnt="3"/>
+      <dgm:spPr/>
+      <dgm:t>
+        <a:bodyPr/>
+        <a:lstStyle/>
+        <a:p>
+          <a:endParaRPr lang="en-US"/>
+        </a:p>
+      </dgm:t>
+    </dgm:pt>
+    <dgm:pt modelId="{066B8D48-F363-40CA-A913-1160A7A0698C}" type="pres">
+      <dgm:prSet presAssocID="{7172ED49-31E9-44CB-B111-F91C94D49A5E}" presName="hierChild4" presStyleCnt="0"/>
+      <dgm:spPr/>
+    </dgm:pt>
+    <dgm:pt modelId="{D8640681-F1A8-44AB-A1D0-F3DB5D03A0B8}" type="pres">
+      <dgm:prSet presAssocID="{F2704827-8DCD-479E-9A5A-C8114E131A32}" presName="Name37" presStyleLbl="parChTrans1D4" presStyleIdx="2" presStyleCnt="9"/>
+      <dgm:spPr/>
+      <dgm:t>
+        <a:bodyPr/>
+        <a:lstStyle/>
+        <a:p>
+          <a:endParaRPr lang="en-US"/>
+        </a:p>
+      </dgm:t>
+    </dgm:pt>
+    <dgm:pt modelId="{AE222C18-7233-4FBB-AAAB-E6588BDD51DE}" type="pres">
+      <dgm:prSet presAssocID="{830F1437-48D7-4204-9CEE-386F22BA0C7F}" presName="hierRoot2" presStyleCnt="0">
+        <dgm:presLayoutVars>
+          <dgm:hierBranch val="init"/>
+        </dgm:presLayoutVars>
+      </dgm:prSet>
+      <dgm:spPr/>
+    </dgm:pt>
+    <dgm:pt modelId="{34EDF6B0-178E-4400-A81D-2D2837D8D644}" type="pres">
+      <dgm:prSet presAssocID="{830F1437-48D7-4204-9CEE-386F22BA0C7F}" presName="rootComposite" presStyleCnt="0"/>
+      <dgm:spPr/>
+    </dgm:pt>
+    <dgm:pt modelId="{7957062C-C558-409B-B9F8-DBC2D25185FA}" type="pres">
+      <dgm:prSet presAssocID="{830F1437-48D7-4204-9CEE-386F22BA0C7F}" presName="rootText" presStyleLbl="node4" presStyleIdx="2" presStyleCnt="9">
+        <dgm:presLayoutVars>
+          <dgm:chPref val="3"/>
+        </dgm:presLayoutVars>
+      </dgm:prSet>
+      <dgm:spPr/>
+      <dgm:t>
+        <a:bodyPr/>
+        <a:lstStyle/>
+        <a:p>
+          <a:endParaRPr lang="en-US"/>
+        </a:p>
+      </dgm:t>
+    </dgm:pt>
+    <dgm:pt modelId="{2EF8E788-7072-4780-B286-333F0862BEA8}" type="pres">
+      <dgm:prSet presAssocID="{830F1437-48D7-4204-9CEE-386F22BA0C7F}" presName="rootConnector" presStyleLbl="node4" presStyleIdx="2" presStyleCnt="9"/>
+      <dgm:spPr/>
+      <dgm:t>
+        <a:bodyPr/>
+        <a:lstStyle/>
+        <a:p>
+          <a:endParaRPr lang="en-US"/>
+        </a:p>
+      </dgm:t>
+    </dgm:pt>
+    <dgm:pt modelId="{AACF74B5-0201-4CFE-BD08-BC077833FE16}" type="pres">
+      <dgm:prSet presAssocID="{830F1437-48D7-4204-9CEE-386F22BA0C7F}" presName="hierChild4" presStyleCnt="0"/>
+      <dgm:spPr/>
+    </dgm:pt>
+    <dgm:pt modelId="{46AD1288-FF4B-4F48-AE45-34E74EF6EE1C}" type="pres">
+      <dgm:prSet presAssocID="{830F1437-48D7-4204-9CEE-386F22BA0C7F}" presName="hierChild5" presStyleCnt="0"/>
+      <dgm:spPr/>
+    </dgm:pt>
+    <dgm:pt modelId="{779B8FE6-A569-44BB-92EE-14243E83D70A}" type="pres">
+      <dgm:prSet presAssocID="{7172ED49-31E9-44CB-B111-F91C94D49A5E}" presName="hierChild5" presStyleCnt="0"/>
+      <dgm:spPr/>
+    </dgm:pt>
+    <dgm:pt modelId="{C91C80C0-0611-405A-8150-CD1A2468F956}" type="pres">
+      <dgm:prSet presAssocID="{B4981DC2-20E6-4F17-9EA0-643AA8C05E94}" presName="Name37" presStyleLbl="parChTrans1D3" presStyleIdx="2" presStyleCnt="3"/>
+      <dgm:spPr/>
+      <dgm:t>
+        <a:bodyPr/>
+        <a:lstStyle/>
+        <a:p>
+          <a:endParaRPr lang="en-US"/>
+        </a:p>
+      </dgm:t>
+    </dgm:pt>
+    <dgm:pt modelId="{92D62FF8-1A52-442A-916C-DCEEC76621D3}" type="pres">
+      <dgm:prSet presAssocID="{36FB2AE7-ADE2-41E3-BD7B-22955DF99845}" presName="hierRoot2" presStyleCnt="0">
+        <dgm:presLayoutVars>
+          <dgm:hierBranch val="init"/>
+        </dgm:presLayoutVars>
+      </dgm:prSet>
+      <dgm:spPr/>
+    </dgm:pt>
+    <dgm:pt modelId="{BE9B0AE2-922E-49A0-BE49-504D3BE2E111}" type="pres">
+      <dgm:prSet presAssocID="{36FB2AE7-ADE2-41E3-BD7B-22955DF99845}" presName="rootComposite" presStyleCnt="0"/>
+      <dgm:spPr/>
+    </dgm:pt>
+    <dgm:pt modelId="{97C4F649-D4C3-4FF9-9DAB-B4F28D3FFFB1}" type="pres">
+      <dgm:prSet presAssocID="{36FB2AE7-ADE2-41E3-BD7B-22955DF99845}" presName="rootText" presStyleLbl="node3" presStyleIdx="2" presStyleCnt="3">
+        <dgm:presLayoutVars>
+          <dgm:chPref val="3"/>
+        </dgm:presLayoutVars>
+      </dgm:prSet>
+      <dgm:spPr/>
+      <dgm:t>
+        <a:bodyPr/>
+        <a:lstStyle/>
+        <a:p>
+          <a:endParaRPr lang="en-US"/>
+        </a:p>
+      </dgm:t>
+    </dgm:pt>
+    <dgm:pt modelId="{F28E8B05-5790-4286-AE52-FCE606889D46}" type="pres">
+      <dgm:prSet presAssocID="{36FB2AE7-ADE2-41E3-BD7B-22955DF99845}" presName="rootConnector" presStyleLbl="node3" presStyleIdx="2" presStyleCnt="3"/>
+      <dgm:spPr/>
+      <dgm:t>
+        <a:bodyPr/>
+        <a:lstStyle/>
+        <a:p>
+          <a:endParaRPr lang="en-US"/>
+        </a:p>
+      </dgm:t>
+    </dgm:pt>
+    <dgm:pt modelId="{BB2B8DC0-7B06-49D5-BB30-AD0A3D3E70F8}" type="pres">
+      <dgm:prSet presAssocID="{36FB2AE7-ADE2-41E3-BD7B-22955DF99845}" presName="hierChild4" presStyleCnt="0"/>
+      <dgm:spPr/>
+    </dgm:pt>
+    <dgm:pt modelId="{8C89FA41-30DC-43DB-A7F5-33ED4810F2F1}" type="pres">
+      <dgm:prSet presAssocID="{2A4AECB2-5AEE-4E82-9821-5F192BBDC82C}" presName="Name37" presStyleLbl="parChTrans1D4" presStyleIdx="3" presStyleCnt="9"/>
+      <dgm:spPr/>
+      <dgm:t>
+        <a:bodyPr/>
+        <a:lstStyle/>
+        <a:p>
+          <a:endParaRPr lang="en-US"/>
+        </a:p>
+      </dgm:t>
+    </dgm:pt>
+    <dgm:pt modelId="{1BECF954-6DD9-4B3C-B192-197F21DCC65C}" type="pres">
+      <dgm:prSet presAssocID="{0C35A8F1-AD30-4B09-846B-1D4C874A78C3}" presName="hierRoot2" presStyleCnt="0">
+        <dgm:presLayoutVars>
+          <dgm:hierBranch val="init"/>
+        </dgm:presLayoutVars>
+      </dgm:prSet>
+      <dgm:spPr/>
+    </dgm:pt>
+    <dgm:pt modelId="{98846015-520A-4E8C-A7D0-36FBC9068981}" type="pres">
+      <dgm:prSet presAssocID="{0C35A8F1-AD30-4B09-846B-1D4C874A78C3}" presName="rootComposite" presStyleCnt="0"/>
+      <dgm:spPr/>
+    </dgm:pt>
+    <dgm:pt modelId="{244D5103-F0BE-4CE1-AB04-879F26B64BC5}" type="pres">
+      <dgm:prSet presAssocID="{0C35A8F1-AD30-4B09-846B-1D4C874A78C3}" presName="rootText" presStyleLbl="node4" presStyleIdx="3" presStyleCnt="9">
+        <dgm:presLayoutVars>
+          <dgm:chPref val="3"/>
+        </dgm:presLayoutVars>
+      </dgm:prSet>
+      <dgm:spPr/>
+      <dgm:t>
+        <a:bodyPr/>
+        <a:lstStyle/>
+        <a:p>
+          <a:endParaRPr lang="en-US"/>
+        </a:p>
+      </dgm:t>
+    </dgm:pt>
     <dgm:pt modelId="{1D70E92A-2D6C-4E78-9175-06FB9FCBC11B}" type="pres">
       <dgm:prSet presAssocID="{0C35A8F1-AD30-4B09-846B-1D4C874A78C3}" presName="rootConnector" presStyleLbl="node4" presStyleIdx="3" presStyleCnt="9"/>
       <dgm:spPr/>
+      <dgm:t>
+        <a:bodyPr/>
+        <a:lstStyle/>
+        <a:p>
+          <a:endParaRPr lang="en-US"/>
+        </a:p>
+      </dgm:t>
     </dgm:pt>
     <dgm:pt modelId="{A9DB23A4-3A39-4039-BD17-CB9F889F7E74}" type="pres">
       <dgm:prSet presAssocID="{0C35A8F1-AD30-4B09-846B-1D4C874A78C3}" presName="hierChild4" presStyleCnt="0"/>
@@ -1845,6 +1986,13 @@
     <dgm:pt modelId="{C9867337-3EBD-4B89-A6C1-964DD0E84360}" type="pres">
       <dgm:prSet presAssocID="{C8CED844-A6C2-420F-A999-F61AA0AB03FD}" presName="Name37" presStyleLbl="parChTrans1D4" presStyleIdx="4" presStyleCnt="9"/>
       <dgm:spPr/>
+      <dgm:t>
+        <a:bodyPr/>
+        <a:lstStyle/>
+        <a:p>
+          <a:endParaRPr lang="en-US"/>
+        </a:p>
+      </dgm:t>
     </dgm:pt>
     <dgm:pt modelId="{879DC0A5-EB8B-4369-8CA0-3B9307118AE9}" type="pres">
       <dgm:prSet presAssocID="{735C3D56-E938-497E-A4BD-31DCE7282A91}" presName="hierRoot2" presStyleCnt="0">
@@ -1865,10 +2013,24 @@
         </dgm:presLayoutVars>
       </dgm:prSet>
       <dgm:spPr/>
+      <dgm:t>
+        <a:bodyPr/>
+        <a:lstStyle/>
+        <a:p>
+          <a:endParaRPr lang="en-US"/>
+        </a:p>
+      </dgm:t>
     </dgm:pt>
     <dgm:pt modelId="{3FFE9C66-0476-4421-B6C2-D7F7BF81D471}" type="pres">
       <dgm:prSet presAssocID="{735C3D56-E938-497E-A4BD-31DCE7282A91}" presName="rootConnector" presStyleLbl="node4" presStyleIdx="4" presStyleCnt="9"/>
       <dgm:spPr/>
+      <dgm:t>
+        <a:bodyPr/>
+        <a:lstStyle/>
+        <a:p>
+          <a:endParaRPr lang="en-US"/>
+        </a:p>
+      </dgm:t>
     </dgm:pt>
     <dgm:pt modelId="{EF6E3D9E-3E3B-4080-8177-B9C95507FBBA}" type="pres">
       <dgm:prSet presAssocID="{735C3D56-E938-497E-A4BD-31DCE7282A91}" presName="hierChild4" presStyleCnt="0"/>
@@ -1881,6 +2043,13 @@
     <dgm:pt modelId="{6CA76548-22B4-4CF6-86BD-1DC57E3FA592}" type="pres">
       <dgm:prSet presAssocID="{CBC14C3E-B571-46C0-92BA-4A1E7ACC10C4}" presName="Name37" presStyleLbl="parChTrans1D4" presStyleIdx="5" presStyleCnt="9"/>
       <dgm:spPr/>
+      <dgm:t>
+        <a:bodyPr/>
+        <a:lstStyle/>
+        <a:p>
+          <a:endParaRPr lang="en-US"/>
+        </a:p>
+      </dgm:t>
     </dgm:pt>
     <dgm:pt modelId="{8C679325-690F-4711-9E11-C0EACF06DD66}" type="pres">
       <dgm:prSet presAssocID="{171AAD06-17A3-4F9B-83E4-512C50E2D183}" presName="hierRoot2" presStyleCnt="0">
@@ -1901,10 +2070,24 @@
         </dgm:presLayoutVars>
       </dgm:prSet>
       <dgm:spPr/>
+      <dgm:t>
+        <a:bodyPr/>
+        <a:lstStyle/>
+        <a:p>
+          <a:endParaRPr lang="en-US"/>
+        </a:p>
+      </dgm:t>
     </dgm:pt>
     <dgm:pt modelId="{C7C3ADFD-2011-46CF-964C-55518A8F9E52}" type="pres">
       <dgm:prSet presAssocID="{171AAD06-17A3-4F9B-83E4-512C50E2D183}" presName="rootConnector" presStyleLbl="node4" presStyleIdx="5" presStyleCnt="9"/>
       <dgm:spPr/>
+      <dgm:t>
+        <a:bodyPr/>
+        <a:lstStyle/>
+        <a:p>
+          <a:endParaRPr lang="en-US"/>
+        </a:p>
+      </dgm:t>
     </dgm:pt>
     <dgm:pt modelId="{18119EBC-90AD-4B62-8AE2-4948D4C7C9BF}" type="pres">
       <dgm:prSet presAssocID="{171AAD06-17A3-4F9B-83E4-512C50E2D183}" presName="hierChild4" presStyleCnt="0"/>
@@ -1921,6 +2104,13 @@
     <dgm:pt modelId="{ECA9E129-B037-49B5-8931-8ED52FCC81DF}" type="pres">
       <dgm:prSet presAssocID="{8A0BD63B-4202-4C80-A8A9-F8FE357D4FBF}" presName="Name37" presStyleLbl="parChTrans1D4" presStyleIdx="6" presStyleCnt="9"/>
       <dgm:spPr/>
+      <dgm:t>
+        <a:bodyPr/>
+        <a:lstStyle/>
+        <a:p>
+          <a:endParaRPr lang="en-US"/>
+        </a:p>
+      </dgm:t>
     </dgm:pt>
     <dgm:pt modelId="{56475396-9278-436E-9923-C0F4BA54B282}" type="pres">
       <dgm:prSet presAssocID="{DCDA3B07-4E23-49C4-873B-3E3D37A1C63C}" presName="hierRoot2" presStyleCnt="0">
@@ -1941,10 +2131,24 @@
         </dgm:presLayoutVars>
       </dgm:prSet>
       <dgm:spPr/>
+      <dgm:t>
+        <a:bodyPr/>
+        <a:lstStyle/>
+        <a:p>
+          <a:endParaRPr lang="en-US"/>
+        </a:p>
+      </dgm:t>
     </dgm:pt>
     <dgm:pt modelId="{22FCB4BF-4BE8-4A44-BAF6-75BCAB507F0B}" type="pres">
       <dgm:prSet presAssocID="{DCDA3B07-4E23-49C4-873B-3E3D37A1C63C}" presName="rootConnector" presStyleLbl="node4" presStyleIdx="6" presStyleCnt="9"/>
       <dgm:spPr/>
+      <dgm:t>
+        <a:bodyPr/>
+        <a:lstStyle/>
+        <a:p>
+          <a:endParaRPr lang="en-US"/>
+        </a:p>
+      </dgm:t>
     </dgm:pt>
     <dgm:pt modelId="{50C8EB6B-8BBF-4AC2-BEA1-C50AC82FD50D}" type="pres">
       <dgm:prSet presAssocID="{DCDA3B07-4E23-49C4-873B-3E3D37A1C63C}" presName="hierChild4" presStyleCnt="0"/>
@@ -1953,6 +2157,13 @@
     <dgm:pt modelId="{F843902D-AE9C-4496-978D-E6879C26DAAD}" type="pres">
       <dgm:prSet presAssocID="{2AAD7BAC-0CA1-4024-9F78-A48D71CE123C}" presName="Name37" presStyleLbl="parChTrans1D4" presStyleIdx="7" presStyleCnt="9"/>
       <dgm:spPr/>
+      <dgm:t>
+        <a:bodyPr/>
+        <a:lstStyle/>
+        <a:p>
+          <a:endParaRPr lang="en-US"/>
+        </a:p>
+      </dgm:t>
     </dgm:pt>
     <dgm:pt modelId="{254A9777-1440-4DF3-8608-B8B66135B1E9}" type="pres">
       <dgm:prSet presAssocID="{49A6EFEF-8636-434E-B355-A488789BAC63}" presName="hierRoot2" presStyleCnt="0">
@@ -1973,10 +2184,24 @@
         </dgm:presLayoutVars>
       </dgm:prSet>
       <dgm:spPr/>
+      <dgm:t>
+        <a:bodyPr/>
+        <a:lstStyle/>
+        <a:p>
+          <a:endParaRPr lang="en-US"/>
+        </a:p>
+      </dgm:t>
     </dgm:pt>
     <dgm:pt modelId="{AC00F668-0D34-4FB4-84D2-5246BDC64BC6}" type="pres">
       <dgm:prSet presAssocID="{49A6EFEF-8636-434E-B355-A488789BAC63}" presName="rootConnector" presStyleLbl="node4" presStyleIdx="7" presStyleCnt="9"/>
       <dgm:spPr/>
+      <dgm:t>
+        <a:bodyPr/>
+        <a:lstStyle/>
+        <a:p>
+          <a:endParaRPr lang="en-US"/>
+        </a:p>
+      </dgm:t>
     </dgm:pt>
     <dgm:pt modelId="{51284E4A-5528-4841-A644-8AFEA6CB2B85}" type="pres">
       <dgm:prSet presAssocID="{49A6EFEF-8636-434E-B355-A488789BAC63}" presName="hierChild4" presStyleCnt="0"/>
@@ -1993,6 +2218,13 @@
     <dgm:pt modelId="{BF009D17-4DA6-4C60-A243-61DE8908F435}" type="pres">
       <dgm:prSet presAssocID="{70EA77FE-E2D6-4F87-A113-44E9F771E5F9}" presName="Name37" presStyleLbl="parChTrans1D4" presStyleIdx="8" presStyleCnt="9"/>
       <dgm:spPr/>
+      <dgm:t>
+        <a:bodyPr/>
+        <a:lstStyle/>
+        <a:p>
+          <a:endParaRPr lang="en-US"/>
+        </a:p>
+      </dgm:t>
     </dgm:pt>
     <dgm:pt modelId="{642B4F6F-E7FB-4C26-B639-DF41C914EC00}" type="pres">
       <dgm:prSet presAssocID="{86C0F38E-F4D5-4257-A435-0E2F8AC12825}" presName="hierRoot2" presStyleCnt="0">
@@ -2013,10 +2245,24 @@
         </dgm:presLayoutVars>
       </dgm:prSet>
       <dgm:spPr/>
+      <dgm:t>
+        <a:bodyPr/>
+        <a:lstStyle/>
+        <a:p>
+          <a:endParaRPr lang="en-US"/>
+        </a:p>
+      </dgm:t>
     </dgm:pt>
     <dgm:pt modelId="{306EB1C3-1B2E-41FF-88DF-E45D27F7CD5A}" type="pres">
       <dgm:prSet presAssocID="{86C0F38E-F4D5-4257-A435-0E2F8AC12825}" presName="rootConnector" presStyleLbl="node4" presStyleIdx="8" presStyleCnt="9"/>
       <dgm:spPr/>
+      <dgm:t>
+        <a:bodyPr/>
+        <a:lstStyle/>
+        <a:p>
+          <a:endParaRPr lang="en-US"/>
+        </a:p>
+      </dgm:t>
     </dgm:pt>
     <dgm:pt modelId="{2AF0E170-D873-4FFC-AB13-7629935FEA98}" type="pres">
       <dgm:prSet presAssocID="{86C0F38E-F4D5-4257-A435-0E2F8AC12825}" presName="hierChild4" presStyleCnt="0"/>
@@ -2040,62 +2286,62 @@
     </dgm:pt>
   </dgm:ptLst>
   <dgm:cxnLst>
+    <dgm:cxn modelId="{1A6A5B26-7509-4111-9E80-A8C22F2E8AD4}" srcId="{7172ED49-31E9-44CB-B111-F91C94D49A5E}" destId="{830F1437-48D7-4204-9CEE-386F22BA0C7F}" srcOrd="0" destOrd="0" parTransId="{F2704827-8DCD-479E-9A5A-C8114E131A32}" sibTransId="{90122B1D-FA76-4B7A-A3DB-2CD2AC02F017}"/>
+    <dgm:cxn modelId="{EB476856-63CF-47DC-8BCF-510BAC1939ED}" srcId="{7CCAD246-BB1F-44E1-AD48-8D5508912993}" destId="{5EF33C6D-D901-48C1-8BCF-75C8FDD97130}" srcOrd="1" destOrd="0" parTransId="{F032CEFA-7B9E-4868-B768-D2E4A0DFB6F2}" sibTransId="{9CC8DB1E-6DE8-40B4-B6D9-EE9833DB7B1D}"/>
+    <dgm:cxn modelId="{454D5D5A-331A-4F08-87FD-29281D2C55B5}" type="presOf" srcId="{5849EACB-4C12-45FD-913A-CF3486F2991E}" destId="{55F65988-8EB1-4346-9FBE-CA8BCE516611}" srcOrd="0" destOrd="0" presId="urn:microsoft.com/office/officeart/2005/8/layout/orgChart1"/>
+    <dgm:cxn modelId="{A1FE2F07-6A42-40C6-8DEA-E936ECE42494}" type="presOf" srcId="{5EF33C6D-D901-48C1-8BCF-75C8FDD97130}" destId="{1A3A63AD-C5F0-4464-AAAE-2DF46D8EE425}" srcOrd="1" destOrd="0" presId="urn:microsoft.com/office/officeart/2005/8/layout/orgChart1"/>
+    <dgm:cxn modelId="{69A41A0A-F0EE-4693-8E71-660C8739A7AE}" srcId="{5849EACB-4C12-45FD-913A-CF3486F2991E}" destId="{7172ED49-31E9-44CB-B111-F91C94D49A5E}" srcOrd="1" destOrd="0" parTransId="{403FF21F-63C3-4D88-AC2D-68C50E1958BC}" sibTransId="{3026F094-B7CD-4DF6-8EFD-E774056FD99F}"/>
+    <dgm:cxn modelId="{D257A219-1D88-4FB6-BA4C-51C5E75504E7}" type="presOf" srcId="{D3F7F743-A4C9-42F3-98C3-F7B591E6013E}" destId="{AD39CAF8-B350-4DCD-8D9E-D4126A4BD6C7}" srcOrd="0" destOrd="0" presId="urn:microsoft.com/office/officeart/2005/8/layout/orgChart1"/>
+    <dgm:cxn modelId="{AF4AF162-5B04-49AA-9260-1A8885088C0F}" type="presOf" srcId="{0C35A8F1-AD30-4B09-846B-1D4C874A78C3}" destId="{1D70E92A-2D6C-4E78-9175-06FB9FCBC11B}" srcOrd="1" destOrd="0" presId="urn:microsoft.com/office/officeart/2005/8/layout/orgChart1"/>
+    <dgm:cxn modelId="{DDBC81B0-7C22-47BA-893C-7C0B7009B3B3}" srcId="{5849EACB-4C12-45FD-913A-CF3486F2991E}" destId="{36FB2AE7-ADE2-41E3-BD7B-22955DF99845}" srcOrd="2" destOrd="0" parTransId="{B4981DC2-20E6-4F17-9EA0-643AA8C05E94}" sibTransId="{29AC787A-F0BB-4276-9BCF-B7B1DB6DD30C}"/>
+    <dgm:cxn modelId="{E51AE5D7-B4F8-42FA-98C2-A14516DDB2B7}" srcId="{0C35A8F1-AD30-4B09-846B-1D4C874A78C3}" destId="{735C3D56-E938-497E-A4BD-31DCE7282A91}" srcOrd="0" destOrd="0" parTransId="{C8CED844-A6C2-420F-A999-F61AA0AB03FD}" sibTransId="{6EC12AC1-37DB-4E1C-A00B-349B0EE836C5}"/>
+    <dgm:cxn modelId="{ED657A1F-3C07-4D85-802F-A371A4757339}" srcId="{DCDA3B07-4E23-49C4-873B-3E3D37A1C63C}" destId="{49A6EFEF-8636-434E-B355-A488789BAC63}" srcOrd="0" destOrd="0" parTransId="{2AAD7BAC-0CA1-4024-9F78-A48D71CE123C}" sibTransId="{8DB1EAB9-F472-4B41-9DA2-3BFFBEEAFE50}"/>
+    <dgm:cxn modelId="{3EE80911-32F7-4C37-AD51-DEF794184C91}" type="presOf" srcId="{403FF21F-63C3-4D88-AC2D-68C50E1958BC}" destId="{055A5B9B-C39D-45B8-85A6-3E8AC04CC563}" srcOrd="0" destOrd="0" presId="urn:microsoft.com/office/officeart/2005/8/layout/orgChart1"/>
+    <dgm:cxn modelId="{73B4BDC6-1B1B-4051-B6B1-5693A9D1409B}" type="presOf" srcId="{72B59536-4890-44DE-90F6-B5B00A3A0DEC}" destId="{A0E52255-A79D-42D0-B46B-94E48D08CF05}" srcOrd="0" destOrd="0" presId="urn:microsoft.com/office/officeart/2005/8/layout/orgChart1"/>
+    <dgm:cxn modelId="{20C9CA0F-5C87-45E1-AC35-83F64870856A}" type="presOf" srcId="{0C35A8F1-AD30-4B09-846B-1D4C874A78C3}" destId="{244D5103-F0BE-4CE1-AB04-879F26B64BC5}" srcOrd="0" destOrd="0" presId="urn:microsoft.com/office/officeart/2005/8/layout/orgChart1"/>
+    <dgm:cxn modelId="{4F3A2A06-A653-425D-B433-05D4A89FA210}" type="presOf" srcId="{C3F1940B-C05D-490B-ADAE-51631AE43B72}" destId="{F7692701-18A6-4940-87EC-E2A8B457ABD4}" srcOrd="0" destOrd="0" presId="urn:microsoft.com/office/officeart/2005/8/layout/orgChart1"/>
+    <dgm:cxn modelId="{F8555609-8720-4120-84BB-CD3FDC3AFEE1}" type="presOf" srcId="{49A6EFEF-8636-434E-B355-A488789BAC63}" destId="{32D5BFF2-DAEF-4BE0-A41D-A36B529F6841}" srcOrd="0" destOrd="0" presId="urn:microsoft.com/office/officeart/2005/8/layout/orgChart1"/>
+    <dgm:cxn modelId="{04EDA4E1-6522-422E-BC36-E536CC9E4462}" type="presOf" srcId="{171AAD06-17A3-4F9B-83E4-512C50E2D183}" destId="{0B1E9899-6D4D-47FF-A908-941741AEE986}" srcOrd="0" destOrd="0" presId="urn:microsoft.com/office/officeart/2005/8/layout/orgChart1"/>
+    <dgm:cxn modelId="{9F3485AE-E626-4806-8C23-4213F0783EEE}" type="presOf" srcId="{0CD091D9-9AD6-456E-A514-ADBE80B7E88B}" destId="{109D349E-8E3A-4D93-8F4D-A2FFF2404386}" srcOrd="0" destOrd="0" presId="urn:microsoft.com/office/officeart/2005/8/layout/orgChart1"/>
+    <dgm:cxn modelId="{A55E8E14-93E4-443F-8981-A3A99B7CF417}" srcId="{0C35A8F1-AD30-4B09-846B-1D4C874A78C3}" destId="{171AAD06-17A3-4F9B-83E4-512C50E2D183}" srcOrd="1" destOrd="0" parTransId="{CBC14C3E-B571-46C0-92BA-4A1E7ACC10C4}" sibTransId="{DC169D85-827E-4080-B7D8-5D5A315A19B6}"/>
+    <dgm:cxn modelId="{DF64417E-3272-4092-B262-41DD9712D2DE}" type="presOf" srcId="{C3F1940B-C05D-490B-ADAE-51631AE43B72}" destId="{E26CF45E-E31C-4F26-8D65-A62D37BC69E4}" srcOrd="1" destOrd="0" presId="urn:microsoft.com/office/officeart/2005/8/layout/orgChart1"/>
     <dgm:cxn modelId="{EE032C1C-AFD9-48A4-9E58-06A7BAD6D03B}" type="presOf" srcId="{86C0F38E-F4D5-4257-A435-0E2F8AC12825}" destId="{7EA5C7CD-8001-4B31-80BA-BE3C4608FB60}" srcOrd="0" destOrd="0" presId="urn:microsoft.com/office/officeart/2005/8/layout/orgChart1"/>
+    <dgm:cxn modelId="{EA9F710B-2565-465F-ABAC-A71582FBED25}" type="presOf" srcId="{2A4AECB2-5AEE-4E82-9821-5F192BBDC82C}" destId="{8C89FA41-30DC-43DB-A7F5-33ED4810F2F1}" srcOrd="0" destOrd="0" presId="urn:microsoft.com/office/officeart/2005/8/layout/orgChart1"/>
+    <dgm:cxn modelId="{29F1218D-8614-4A47-B2A4-AB5779843A2C}" type="presOf" srcId="{7172ED49-31E9-44CB-B111-F91C94D49A5E}" destId="{3868CFAD-7A69-4187-BDBB-651327AC451B}" srcOrd="0" destOrd="0" presId="urn:microsoft.com/office/officeart/2005/8/layout/orgChart1"/>
+    <dgm:cxn modelId="{ADB74809-3EB0-4646-83F1-545E4D359F41}" type="presOf" srcId="{DCDA3B07-4E23-49C4-873B-3E3D37A1C63C}" destId="{AB52E343-7448-45AE-9ECA-C18F3E293015}" srcOrd="0" destOrd="0" presId="urn:microsoft.com/office/officeart/2005/8/layout/orgChart1"/>
+    <dgm:cxn modelId="{4F6AE69C-41CB-4980-B5C1-AD59949066A2}" type="presOf" srcId="{7CCAD246-BB1F-44E1-AD48-8D5508912993}" destId="{073D4CEA-A291-4885-98D7-FBBEA71F0EA8}" srcOrd="1" destOrd="0" presId="urn:microsoft.com/office/officeart/2005/8/layout/orgChart1"/>
+    <dgm:cxn modelId="{73289447-2DA3-4093-BEBE-49FA542D06D6}" type="presOf" srcId="{F2704827-8DCD-479E-9A5A-C8114E131A32}" destId="{D8640681-F1A8-44AB-A1D0-F3DB5D03A0B8}" srcOrd="0" destOrd="0" presId="urn:microsoft.com/office/officeart/2005/8/layout/orgChart1"/>
+    <dgm:cxn modelId="{C9D868B1-6009-4E71-B3B7-AF112886CD33}" srcId="{36FB2AE7-ADE2-41E3-BD7B-22955DF99845}" destId="{0C35A8F1-AD30-4B09-846B-1D4C874A78C3}" srcOrd="0" destOrd="0" parTransId="{2A4AECB2-5AEE-4E82-9821-5F192BBDC82C}" sibTransId="{2687CD5F-4235-4C00-A1C6-1974E4E377DC}"/>
+    <dgm:cxn modelId="{868113C2-C7DB-40F8-853C-BB054258D6FF}" srcId="{59EB6F51-96A9-4A55-9DEE-FF786F2E529B}" destId="{938F2529-BB63-494A-8D98-70E229FE5656}" srcOrd="0" destOrd="0" parTransId="{0A91AFB2-4A2E-4732-AF20-FBC7DB9050FA}" sibTransId="{B9F08773-20A5-4487-8048-C7F72BA4B7AD}"/>
+    <dgm:cxn modelId="{99452A3B-47BD-4843-96F5-068D4A214A12}" type="presOf" srcId="{DCDA3B07-4E23-49C4-873B-3E3D37A1C63C}" destId="{22FCB4BF-4BE8-4A44-BAF6-75BCAB507F0B}" srcOrd="1" destOrd="0" presId="urn:microsoft.com/office/officeart/2005/8/layout/orgChart1"/>
     <dgm:cxn modelId="{BAF62984-5769-45E6-8D35-F795879EF765}" type="presOf" srcId="{171AAD06-17A3-4F9B-83E4-512C50E2D183}" destId="{C7C3ADFD-2011-46CF-964C-55518A8F9E52}" srcOrd="1" destOrd="0" presId="urn:microsoft.com/office/officeart/2005/8/layout/orgChart1"/>
-    <dgm:cxn modelId="{04EDA4E1-6522-422E-BC36-E536CC9E4462}" type="presOf" srcId="{171AAD06-17A3-4F9B-83E4-512C50E2D183}" destId="{0B1E9899-6D4D-47FF-A908-941741AEE986}" srcOrd="0" destOrd="0" presId="urn:microsoft.com/office/officeart/2005/8/layout/orgChart1"/>
+    <dgm:cxn modelId="{B19BAABC-0EC9-4163-9B99-E4B83B39A9FA}" type="presOf" srcId="{5849EACB-4C12-45FD-913A-CF3486F2991E}" destId="{F9CA8B29-D736-4F01-B4F1-B674F6ECF38B}" srcOrd="1" destOrd="0" presId="urn:microsoft.com/office/officeart/2005/8/layout/orgChart1"/>
+    <dgm:cxn modelId="{33708C84-C144-4AB2-88DE-625BA8CA63B0}" type="presOf" srcId="{7CCAD246-BB1F-44E1-AD48-8D5508912993}" destId="{88319BBD-6402-4751-846C-35A303B92BE1}" srcOrd="0" destOrd="0" presId="urn:microsoft.com/office/officeart/2005/8/layout/orgChart1"/>
+    <dgm:cxn modelId="{7A904C2F-604C-4B54-BD46-1105C1DA2C00}" srcId="{5849EACB-4C12-45FD-913A-CF3486F2991E}" destId="{7CCAD246-BB1F-44E1-AD48-8D5508912993}" srcOrd="0" destOrd="0" parTransId="{72B59536-4890-44DE-90F6-B5B00A3A0DEC}" sibTransId="{9D666839-2AC9-4489-939F-1137732CA4F0}"/>
+    <dgm:cxn modelId="{CB7F9186-2CA3-4EA2-AA57-3F2799CEF935}" type="presOf" srcId="{C8CED844-A6C2-420F-A999-F61AA0AB03FD}" destId="{C9867337-3EBD-4B89-A6C1-964DD0E84360}" srcOrd="0" destOrd="0" presId="urn:microsoft.com/office/officeart/2005/8/layout/orgChart1"/>
+    <dgm:cxn modelId="{BBA04E33-1C78-47B6-99D6-E465556E7AB8}" type="presOf" srcId="{830F1437-48D7-4204-9CEE-386F22BA0C7F}" destId="{2EF8E788-7072-4780-B286-333F0862BEA8}" srcOrd="1" destOrd="0" presId="urn:microsoft.com/office/officeart/2005/8/layout/orgChart1"/>
+    <dgm:cxn modelId="{F72FF2DC-A10E-4F34-83F5-118447A8444E}" type="presOf" srcId="{938F2529-BB63-494A-8D98-70E229FE5656}" destId="{4BA606BE-BA68-487A-8DC6-A7E364B3D665}" srcOrd="0" destOrd="0" presId="urn:microsoft.com/office/officeart/2005/8/layout/orgChart1"/>
+    <dgm:cxn modelId="{1603D021-5930-4A38-97F3-580B88FBB000}" srcId="{36FB2AE7-ADE2-41E3-BD7B-22955DF99845}" destId="{86C0F38E-F4D5-4257-A435-0E2F8AC12825}" srcOrd="2" destOrd="0" parTransId="{70EA77FE-E2D6-4F87-A113-44E9F771E5F9}" sibTransId="{C990955F-A1FC-46BE-AD9B-849D14CEF960}"/>
+    <dgm:cxn modelId="{57E9C18B-5553-4ADA-8DA1-29982A6DD260}" type="presOf" srcId="{735C3D56-E938-497E-A4BD-31DCE7282A91}" destId="{3FFE9C66-0476-4421-B6C2-D7F7BF81D471}" srcOrd="1" destOrd="0" presId="urn:microsoft.com/office/officeart/2005/8/layout/orgChart1"/>
+    <dgm:cxn modelId="{D9B47808-DF64-4E8F-9A49-622E54FFA607}" type="presOf" srcId="{36FB2AE7-ADE2-41E3-BD7B-22955DF99845}" destId="{F28E8B05-5790-4286-AE52-FCE606889D46}" srcOrd="1" destOrd="0" presId="urn:microsoft.com/office/officeart/2005/8/layout/orgChart1"/>
     <dgm:cxn modelId="{B93BB528-5D90-47C3-8E0B-545355337DB1}" type="presOf" srcId="{5EF33C6D-D901-48C1-8BCF-75C8FDD97130}" destId="{A554B88B-2AE9-4346-8977-D74A9614806C}" srcOrd="0" destOrd="0" presId="urn:microsoft.com/office/officeart/2005/8/layout/orgChart1"/>
-    <dgm:cxn modelId="{20C9CA0F-5C87-45E1-AC35-83F64870856A}" type="presOf" srcId="{0C35A8F1-AD30-4B09-846B-1D4C874A78C3}" destId="{244D5103-F0BE-4CE1-AB04-879F26B64BC5}" srcOrd="0" destOrd="0" presId="urn:microsoft.com/office/officeart/2005/8/layout/orgChart1"/>
-    <dgm:cxn modelId="{454D5D5A-331A-4F08-87FD-29281D2C55B5}" type="presOf" srcId="{5849EACB-4C12-45FD-913A-CF3486F2991E}" destId="{55F65988-8EB1-4346-9FBE-CA8BCE516611}" srcOrd="0" destOrd="0" presId="urn:microsoft.com/office/officeart/2005/8/layout/orgChart1"/>
+    <dgm:cxn modelId="{05ED6E8F-935E-4775-AB40-E7B9EF0AD728}" type="presOf" srcId="{59EB6F51-96A9-4A55-9DEE-FF786F2E529B}" destId="{15226FB5-FA77-401C-AC7E-11357529C0F7}" srcOrd="0" destOrd="0" presId="urn:microsoft.com/office/officeart/2005/8/layout/orgChart1"/>
+    <dgm:cxn modelId="{177D26B8-ABB8-4FDC-9A71-F9351E8E4B57}" type="presOf" srcId="{CBC14C3E-B571-46C0-92BA-4A1E7ACC10C4}" destId="{6CA76548-22B4-4CF6-86BD-1DC57E3FA592}" srcOrd="0" destOrd="0" presId="urn:microsoft.com/office/officeart/2005/8/layout/orgChart1"/>
+    <dgm:cxn modelId="{1D26784A-B68E-4EAC-8606-42E50EB15A52}" type="presOf" srcId="{86C0F38E-F4D5-4257-A435-0E2F8AC12825}" destId="{306EB1C3-1B2E-41FF-88DF-E45D27F7CD5A}" srcOrd="1" destOrd="0" presId="urn:microsoft.com/office/officeart/2005/8/layout/orgChart1"/>
+    <dgm:cxn modelId="{038B9ACC-FECE-4ACD-AE81-4522039829DC}" srcId="{36FB2AE7-ADE2-41E3-BD7B-22955DF99845}" destId="{DCDA3B07-4E23-49C4-873B-3E3D37A1C63C}" srcOrd="1" destOrd="0" parTransId="{8A0BD63B-4202-4C80-A8A9-F8FE357D4FBF}" sibTransId="{660D9DB2-9058-409B-A3ED-660AE77E5105}"/>
+    <dgm:cxn modelId="{7E523E4C-7272-4D52-84B4-86EF03FCDC8E}" type="presOf" srcId="{8A0BD63B-4202-4C80-A8A9-F8FE357D4FBF}" destId="{ECA9E129-B037-49B5-8931-8ED52FCC81DF}" srcOrd="0" destOrd="0" presId="urn:microsoft.com/office/officeart/2005/8/layout/orgChart1"/>
+    <dgm:cxn modelId="{568C4B74-F4A3-436B-8DA2-9DD26A705366}" type="presOf" srcId="{49A6EFEF-8636-434E-B355-A488789BAC63}" destId="{AC00F668-0D34-4FB4-84D2-5246BDC64BC6}" srcOrd="1" destOrd="0" presId="urn:microsoft.com/office/officeart/2005/8/layout/orgChart1"/>
+    <dgm:cxn modelId="{FCDAD098-5E09-40A6-B09E-7A6889533883}" type="presOf" srcId="{B4981DC2-20E6-4F17-9EA0-643AA8C05E94}" destId="{C91C80C0-0611-405A-8150-CD1A2468F956}" srcOrd="0" destOrd="0" presId="urn:microsoft.com/office/officeart/2005/8/layout/orgChart1"/>
+    <dgm:cxn modelId="{17A41746-63E7-4F31-94C2-B89CCEDBBE1A}" type="presOf" srcId="{70EA77FE-E2D6-4F87-A113-44E9F771E5F9}" destId="{BF009D17-4DA6-4C60-A243-61DE8908F435}" srcOrd="0" destOrd="0" presId="urn:microsoft.com/office/officeart/2005/8/layout/orgChart1"/>
+    <dgm:cxn modelId="{A8B93BD8-96A3-43D9-9801-4D9CCB5C16C4}" type="presOf" srcId="{7172ED49-31E9-44CB-B111-F91C94D49A5E}" destId="{92B36B44-D57C-47E0-8A4A-C26B78F66BFF}" srcOrd="1" destOrd="0" presId="urn:microsoft.com/office/officeart/2005/8/layout/orgChart1"/>
+    <dgm:cxn modelId="{EA735F55-8FBE-4F11-ADEB-EF1ABC821791}" type="presOf" srcId="{2AAD7BAC-0CA1-4024-9F78-A48D71CE123C}" destId="{F843902D-AE9C-4496-978D-E6879C26DAAD}" srcOrd="0" destOrd="0" presId="urn:microsoft.com/office/officeart/2005/8/layout/orgChart1"/>
     <dgm:cxn modelId="{BA22795A-7E45-4BC6-93F3-2F4213AE836E}" type="presOf" srcId="{36FB2AE7-ADE2-41E3-BD7B-22955DF99845}" destId="{97C4F649-D4C3-4FF9-9DAB-B4F28D3FFFB1}" srcOrd="0" destOrd="0" presId="urn:microsoft.com/office/officeart/2005/8/layout/orgChart1"/>
-    <dgm:cxn modelId="{868113C2-C7DB-40F8-853C-BB054258D6FF}" srcId="{59EB6F51-96A9-4A55-9DEE-FF786F2E529B}" destId="{938F2529-BB63-494A-8D98-70E229FE5656}" srcOrd="0" destOrd="0" parTransId="{0A91AFB2-4A2E-4732-AF20-FBC7DB9050FA}" sibTransId="{B9F08773-20A5-4487-8048-C7F72BA4B7AD}"/>
-    <dgm:cxn modelId="{AF4AF162-5B04-49AA-9260-1A8885088C0F}" type="presOf" srcId="{0C35A8F1-AD30-4B09-846B-1D4C874A78C3}" destId="{1D70E92A-2D6C-4E78-9175-06FB9FCBC11B}" srcOrd="1" destOrd="0" presId="urn:microsoft.com/office/officeart/2005/8/layout/orgChart1"/>
-    <dgm:cxn modelId="{73B4BDC6-1B1B-4051-B6B1-5693A9D1409B}" type="presOf" srcId="{72B59536-4890-44DE-90F6-B5B00A3A0DEC}" destId="{A0E52255-A79D-42D0-B46B-94E48D08CF05}" srcOrd="0" destOrd="0" presId="urn:microsoft.com/office/officeart/2005/8/layout/orgChart1"/>
-    <dgm:cxn modelId="{1A6A5B26-7509-4111-9E80-A8C22F2E8AD4}" srcId="{7172ED49-31E9-44CB-B111-F91C94D49A5E}" destId="{830F1437-48D7-4204-9CEE-386F22BA0C7F}" srcOrd="0" destOrd="0" parTransId="{F2704827-8DCD-479E-9A5A-C8114E131A32}" sibTransId="{90122B1D-FA76-4B7A-A3DB-2CD2AC02F017}"/>
-    <dgm:cxn modelId="{EA735F55-8FBE-4F11-ADEB-EF1ABC821791}" type="presOf" srcId="{2AAD7BAC-0CA1-4024-9F78-A48D71CE123C}" destId="{F843902D-AE9C-4496-978D-E6879C26DAAD}" srcOrd="0" destOrd="0" presId="urn:microsoft.com/office/officeart/2005/8/layout/orgChart1"/>
-    <dgm:cxn modelId="{1603D021-5930-4A38-97F3-580B88FBB000}" srcId="{36FB2AE7-ADE2-41E3-BD7B-22955DF99845}" destId="{86C0F38E-F4D5-4257-A435-0E2F8AC12825}" srcOrd="2" destOrd="0" parTransId="{70EA77FE-E2D6-4F87-A113-44E9F771E5F9}" sibTransId="{C990955F-A1FC-46BE-AD9B-849D14CEF960}"/>
-    <dgm:cxn modelId="{0355CB7F-72B4-46C3-9E41-CCB02C04FC0C}" srcId="{7CCAD246-BB1F-44E1-AD48-8D5508912993}" destId="{C3F1940B-C05D-490B-ADAE-51631AE43B72}" srcOrd="0" destOrd="0" parTransId="{0CD091D9-9AD6-456E-A514-ADBE80B7E88B}" sibTransId="{AD96C062-E754-40B9-9033-83524B0D1888}"/>
-    <dgm:cxn modelId="{4F6AE69C-41CB-4980-B5C1-AD59949066A2}" type="presOf" srcId="{7CCAD246-BB1F-44E1-AD48-8D5508912993}" destId="{073D4CEA-A291-4885-98D7-FBBEA71F0EA8}" srcOrd="1" destOrd="0" presId="urn:microsoft.com/office/officeart/2005/8/layout/orgChart1"/>
-    <dgm:cxn modelId="{DDBC81B0-7C22-47BA-893C-7C0B7009B3B3}" srcId="{5849EACB-4C12-45FD-913A-CF3486F2991E}" destId="{36FB2AE7-ADE2-41E3-BD7B-22955DF99845}" srcOrd="2" destOrd="0" parTransId="{B4981DC2-20E6-4F17-9EA0-643AA8C05E94}" sibTransId="{29AC787A-F0BB-4276-9BCF-B7B1DB6DD30C}"/>
-    <dgm:cxn modelId="{33708C84-C144-4AB2-88DE-625BA8CA63B0}" type="presOf" srcId="{7CCAD246-BB1F-44E1-AD48-8D5508912993}" destId="{88319BBD-6402-4751-846C-35A303B92BE1}" srcOrd="0" destOrd="0" presId="urn:microsoft.com/office/officeart/2005/8/layout/orgChart1"/>
-    <dgm:cxn modelId="{DF64417E-3272-4092-B262-41DD9712D2DE}" type="presOf" srcId="{C3F1940B-C05D-490B-ADAE-51631AE43B72}" destId="{E26CF45E-E31C-4F26-8D65-A62D37BC69E4}" srcOrd="1" destOrd="0" presId="urn:microsoft.com/office/officeart/2005/8/layout/orgChart1"/>
-    <dgm:cxn modelId="{F72FF2DC-A10E-4F34-83F5-118447A8444E}" type="presOf" srcId="{938F2529-BB63-494A-8D98-70E229FE5656}" destId="{4BA606BE-BA68-487A-8DC6-A7E364B3D665}" srcOrd="0" destOrd="0" presId="urn:microsoft.com/office/officeart/2005/8/layout/orgChart1"/>
-    <dgm:cxn modelId="{B19BAABC-0EC9-4163-9B99-E4B83B39A9FA}" type="presOf" srcId="{5849EACB-4C12-45FD-913A-CF3486F2991E}" destId="{F9CA8B29-D736-4F01-B4F1-B674F6ECF38B}" srcOrd="1" destOrd="0" presId="urn:microsoft.com/office/officeart/2005/8/layout/orgChart1"/>
-    <dgm:cxn modelId="{A55E8E14-93E4-443F-8981-A3A99B7CF417}" srcId="{0C35A8F1-AD30-4B09-846B-1D4C874A78C3}" destId="{171AAD06-17A3-4F9B-83E4-512C50E2D183}" srcOrd="1" destOrd="0" parTransId="{CBC14C3E-B571-46C0-92BA-4A1E7ACC10C4}" sibTransId="{DC169D85-827E-4080-B7D8-5D5A315A19B6}"/>
-    <dgm:cxn modelId="{CB7F9186-2CA3-4EA2-AA57-3F2799CEF935}" type="presOf" srcId="{C8CED844-A6C2-420F-A999-F61AA0AB03FD}" destId="{C9867337-3EBD-4B89-A6C1-964DD0E84360}" srcOrd="0" destOrd="0" presId="urn:microsoft.com/office/officeart/2005/8/layout/orgChart1"/>
-    <dgm:cxn modelId="{7A904C2F-604C-4B54-BD46-1105C1DA2C00}" srcId="{5849EACB-4C12-45FD-913A-CF3486F2991E}" destId="{7CCAD246-BB1F-44E1-AD48-8D5508912993}" srcOrd="0" destOrd="0" parTransId="{72B59536-4890-44DE-90F6-B5B00A3A0DEC}" sibTransId="{9D666839-2AC9-4489-939F-1137732CA4F0}"/>
-    <dgm:cxn modelId="{69A41A0A-F0EE-4693-8E71-660C8739A7AE}" srcId="{5849EACB-4C12-45FD-913A-CF3486F2991E}" destId="{7172ED49-31E9-44CB-B111-F91C94D49A5E}" srcOrd="1" destOrd="0" parTransId="{403FF21F-63C3-4D88-AC2D-68C50E1958BC}" sibTransId="{3026F094-B7CD-4DF6-8EFD-E774056FD99F}"/>
-    <dgm:cxn modelId="{568C4B74-F4A3-436B-8DA2-9DD26A705366}" type="presOf" srcId="{49A6EFEF-8636-434E-B355-A488789BAC63}" destId="{AC00F668-0D34-4FB4-84D2-5246BDC64BC6}" srcOrd="1" destOrd="0" presId="urn:microsoft.com/office/officeart/2005/8/layout/orgChart1"/>
-    <dgm:cxn modelId="{7E523E4C-7272-4D52-84B4-86EF03FCDC8E}" type="presOf" srcId="{8A0BD63B-4202-4C80-A8A9-F8FE357D4FBF}" destId="{ECA9E129-B037-49B5-8931-8ED52FCC81DF}" srcOrd="0" destOrd="0" presId="urn:microsoft.com/office/officeart/2005/8/layout/orgChart1"/>
-    <dgm:cxn modelId="{038B9ACC-FECE-4ACD-AE81-4522039829DC}" srcId="{36FB2AE7-ADE2-41E3-BD7B-22955DF99845}" destId="{DCDA3B07-4E23-49C4-873B-3E3D37A1C63C}" srcOrd="1" destOrd="0" parTransId="{8A0BD63B-4202-4C80-A8A9-F8FE357D4FBF}" sibTransId="{660D9DB2-9058-409B-A3ED-660AE77E5105}"/>
-    <dgm:cxn modelId="{EA9F710B-2565-465F-ABAC-A71582FBED25}" type="presOf" srcId="{2A4AECB2-5AEE-4E82-9821-5F192BBDC82C}" destId="{8C89FA41-30DC-43DB-A7F5-33ED4810F2F1}" srcOrd="0" destOrd="0" presId="urn:microsoft.com/office/officeart/2005/8/layout/orgChart1"/>
-    <dgm:cxn modelId="{A1FE2F07-6A42-40C6-8DEA-E936ECE42494}" type="presOf" srcId="{5EF33C6D-D901-48C1-8BCF-75C8FDD97130}" destId="{1A3A63AD-C5F0-4464-AAAE-2DF46D8EE425}" srcOrd="1" destOrd="0" presId="urn:microsoft.com/office/officeart/2005/8/layout/orgChart1"/>
-    <dgm:cxn modelId="{EB476856-63CF-47DC-8BCF-510BAC1939ED}" srcId="{7CCAD246-BB1F-44E1-AD48-8D5508912993}" destId="{5EF33C6D-D901-48C1-8BCF-75C8FDD97130}" srcOrd="1" destOrd="0" parTransId="{F032CEFA-7B9E-4868-B768-D2E4A0DFB6F2}" sibTransId="{9CC8DB1E-6DE8-40B4-B6D9-EE9833DB7B1D}"/>
-    <dgm:cxn modelId="{E51AE5D7-B4F8-42FA-98C2-A14516DDB2B7}" srcId="{0C35A8F1-AD30-4B09-846B-1D4C874A78C3}" destId="{735C3D56-E938-497E-A4BD-31DCE7282A91}" srcOrd="0" destOrd="0" parTransId="{C8CED844-A6C2-420F-A999-F61AA0AB03FD}" sibTransId="{6EC12AC1-37DB-4E1C-A00B-349B0EE836C5}"/>
-    <dgm:cxn modelId="{28EFA268-31CA-405B-803E-EFE66CE5BB21}" type="presOf" srcId="{735C3D56-E938-497E-A4BD-31DCE7282A91}" destId="{97665454-B3B1-4BBB-BA91-FC2C16626495}" srcOrd="0" destOrd="0" presId="urn:microsoft.com/office/officeart/2005/8/layout/orgChart1"/>
-    <dgm:cxn modelId="{99452A3B-47BD-4843-96F5-068D4A214A12}" type="presOf" srcId="{DCDA3B07-4E23-49C4-873B-3E3D37A1C63C}" destId="{22FCB4BF-4BE8-4A44-BAF6-75BCAB507F0B}" srcOrd="1" destOrd="0" presId="urn:microsoft.com/office/officeart/2005/8/layout/orgChart1"/>
-    <dgm:cxn modelId="{F8555609-8720-4120-84BB-CD3FDC3AFEE1}" type="presOf" srcId="{49A6EFEF-8636-434E-B355-A488789BAC63}" destId="{32D5BFF2-DAEF-4BE0-A41D-A36B529F6841}" srcOrd="0" destOrd="0" presId="urn:microsoft.com/office/officeart/2005/8/layout/orgChart1"/>
-    <dgm:cxn modelId="{FCDAD098-5E09-40A6-B09E-7A6889533883}" type="presOf" srcId="{B4981DC2-20E6-4F17-9EA0-643AA8C05E94}" destId="{C91C80C0-0611-405A-8150-CD1A2468F956}" srcOrd="0" destOrd="0" presId="urn:microsoft.com/office/officeart/2005/8/layout/orgChart1"/>
-    <dgm:cxn modelId="{399FDD97-13DD-41EC-8022-9B62157C6378}" srcId="{938F2529-BB63-494A-8D98-70E229FE5656}" destId="{5849EACB-4C12-45FD-913A-CF3486F2991E}" srcOrd="0" destOrd="0" parTransId="{D3F7F743-A4C9-42F3-98C3-F7B591E6013E}" sibTransId="{F5B1F9D7-C939-4B65-98BD-9966E2F32C51}"/>
-    <dgm:cxn modelId="{29F1218D-8614-4A47-B2A4-AB5779843A2C}" type="presOf" srcId="{7172ED49-31E9-44CB-B111-F91C94D49A5E}" destId="{3868CFAD-7A69-4187-BDBB-651327AC451B}" srcOrd="0" destOrd="0" presId="urn:microsoft.com/office/officeart/2005/8/layout/orgChart1"/>
-    <dgm:cxn modelId="{57E9C18B-5553-4ADA-8DA1-29982A6DD260}" type="presOf" srcId="{735C3D56-E938-497E-A4BD-31DCE7282A91}" destId="{3FFE9C66-0476-4421-B6C2-D7F7BF81D471}" srcOrd="1" destOrd="0" presId="urn:microsoft.com/office/officeart/2005/8/layout/orgChart1"/>
-    <dgm:cxn modelId="{9F3485AE-E626-4806-8C23-4213F0783EEE}" type="presOf" srcId="{0CD091D9-9AD6-456E-A514-ADBE80B7E88B}" destId="{109D349E-8E3A-4D93-8F4D-A2FFF2404386}" srcOrd="0" destOrd="0" presId="urn:microsoft.com/office/officeart/2005/8/layout/orgChart1"/>
-    <dgm:cxn modelId="{3EE80911-32F7-4C37-AD51-DEF794184C91}" type="presOf" srcId="{403FF21F-63C3-4D88-AC2D-68C50E1958BC}" destId="{055A5B9B-C39D-45B8-85A6-3E8AC04CC563}" srcOrd="0" destOrd="0" presId="urn:microsoft.com/office/officeart/2005/8/layout/orgChart1"/>
-    <dgm:cxn modelId="{ED657A1F-3C07-4D85-802F-A371A4757339}" srcId="{DCDA3B07-4E23-49C4-873B-3E3D37A1C63C}" destId="{49A6EFEF-8636-434E-B355-A488789BAC63}" srcOrd="0" destOrd="0" parTransId="{2AAD7BAC-0CA1-4024-9F78-A48D71CE123C}" sibTransId="{8DB1EAB9-F472-4B41-9DA2-3BFFBEEAFE50}"/>
-    <dgm:cxn modelId="{A8B93BD8-96A3-43D9-9801-4D9CCB5C16C4}" type="presOf" srcId="{7172ED49-31E9-44CB-B111-F91C94D49A5E}" destId="{92B36B44-D57C-47E0-8A4A-C26B78F66BFF}" srcOrd="1" destOrd="0" presId="urn:microsoft.com/office/officeart/2005/8/layout/orgChart1"/>
-    <dgm:cxn modelId="{05ED6E8F-935E-4775-AB40-E7B9EF0AD728}" type="presOf" srcId="{59EB6F51-96A9-4A55-9DEE-FF786F2E529B}" destId="{15226FB5-FA77-401C-AC7E-11357529C0F7}" srcOrd="0" destOrd="0" presId="urn:microsoft.com/office/officeart/2005/8/layout/orgChart1"/>
-    <dgm:cxn modelId="{C9D868B1-6009-4E71-B3B7-AF112886CD33}" srcId="{36FB2AE7-ADE2-41E3-BD7B-22955DF99845}" destId="{0C35A8F1-AD30-4B09-846B-1D4C874A78C3}" srcOrd="0" destOrd="0" parTransId="{2A4AECB2-5AEE-4E82-9821-5F192BBDC82C}" sibTransId="{2687CD5F-4235-4C00-A1C6-1974E4E377DC}"/>
-    <dgm:cxn modelId="{ADB74809-3EB0-4646-83F1-545E4D359F41}" type="presOf" srcId="{DCDA3B07-4E23-49C4-873B-3E3D37A1C63C}" destId="{AB52E343-7448-45AE-9ECA-C18F3E293015}" srcOrd="0" destOrd="0" presId="urn:microsoft.com/office/officeart/2005/8/layout/orgChart1"/>
-    <dgm:cxn modelId="{177D26B8-ABB8-4FDC-9A71-F9351E8E4B57}" type="presOf" srcId="{CBC14C3E-B571-46C0-92BA-4A1E7ACC10C4}" destId="{6CA76548-22B4-4CF6-86BD-1DC57E3FA592}" srcOrd="0" destOrd="0" presId="urn:microsoft.com/office/officeart/2005/8/layout/orgChart1"/>
-    <dgm:cxn modelId="{BBA04E33-1C78-47B6-99D6-E465556E7AB8}" type="presOf" srcId="{830F1437-48D7-4204-9CEE-386F22BA0C7F}" destId="{2EF8E788-7072-4780-B286-333F0862BEA8}" srcOrd="1" destOrd="0" presId="urn:microsoft.com/office/officeart/2005/8/layout/orgChart1"/>
-    <dgm:cxn modelId="{A9867B3B-FCE1-4F7A-9848-18D87D03F8EE}" type="presOf" srcId="{F032CEFA-7B9E-4868-B768-D2E4A0DFB6F2}" destId="{ADA1C941-697B-4111-9E7F-070D35E79B6D}" srcOrd="0" destOrd="0" presId="urn:microsoft.com/office/officeart/2005/8/layout/orgChart1"/>
-    <dgm:cxn modelId="{4F3A2A06-A653-425D-B433-05D4A89FA210}" type="presOf" srcId="{C3F1940B-C05D-490B-ADAE-51631AE43B72}" destId="{F7692701-18A6-4940-87EC-E2A8B457ABD4}" srcOrd="0" destOrd="0" presId="urn:microsoft.com/office/officeart/2005/8/layout/orgChart1"/>
     <dgm:cxn modelId="{F3F75957-2663-452E-8F51-46EA1FDD54BA}" type="presOf" srcId="{938F2529-BB63-494A-8D98-70E229FE5656}" destId="{44DA7AD4-747D-4930-BD2F-14AE3D9FBB25}" srcOrd="1" destOrd="0" presId="urn:microsoft.com/office/officeart/2005/8/layout/orgChart1"/>
     <dgm:cxn modelId="{13C0C538-8FE7-4382-A58B-39C12216DE72}" type="presOf" srcId="{830F1437-48D7-4204-9CEE-386F22BA0C7F}" destId="{7957062C-C558-409B-B9F8-DBC2D25185FA}" srcOrd="0" destOrd="0" presId="urn:microsoft.com/office/officeart/2005/8/layout/orgChart1"/>
-    <dgm:cxn modelId="{73289447-2DA3-4093-BEBE-49FA542D06D6}" type="presOf" srcId="{F2704827-8DCD-479E-9A5A-C8114E131A32}" destId="{D8640681-F1A8-44AB-A1D0-F3DB5D03A0B8}" srcOrd="0" destOrd="0" presId="urn:microsoft.com/office/officeart/2005/8/layout/orgChart1"/>
-    <dgm:cxn modelId="{1D26784A-B68E-4EAC-8606-42E50EB15A52}" type="presOf" srcId="{86C0F38E-F4D5-4257-A435-0E2F8AC12825}" destId="{306EB1C3-1B2E-41FF-88DF-E45D27F7CD5A}" srcOrd="1" destOrd="0" presId="urn:microsoft.com/office/officeart/2005/8/layout/orgChart1"/>
-    <dgm:cxn modelId="{D9B47808-DF64-4E8F-9A49-622E54FFA607}" type="presOf" srcId="{36FB2AE7-ADE2-41E3-BD7B-22955DF99845}" destId="{F28E8B05-5790-4286-AE52-FCE606889D46}" srcOrd="1" destOrd="0" presId="urn:microsoft.com/office/officeart/2005/8/layout/orgChart1"/>
-    <dgm:cxn modelId="{17A41746-63E7-4F31-94C2-B89CCEDBBE1A}" type="presOf" srcId="{70EA77FE-E2D6-4F87-A113-44E9F771E5F9}" destId="{BF009D17-4DA6-4C60-A243-61DE8908F435}" srcOrd="0" destOrd="0" presId="urn:microsoft.com/office/officeart/2005/8/layout/orgChart1"/>
-    <dgm:cxn modelId="{D257A219-1D88-4FB6-BA4C-51C5E75504E7}" type="presOf" srcId="{D3F7F743-A4C9-42F3-98C3-F7B591E6013E}" destId="{AD39CAF8-B350-4DCD-8D9E-D4126A4BD6C7}" srcOrd="0" destOrd="0" presId="urn:microsoft.com/office/officeart/2005/8/layout/orgChart1"/>
+    <dgm:cxn modelId="{0355CB7F-72B4-46C3-9E41-CCB02C04FC0C}" srcId="{7CCAD246-BB1F-44E1-AD48-8D5508912993}" destId="{C3F1940B-C05D-490B-ADAE-51631AE43B72}" srcOrd="0" destOrd="0" parTransId="{0CD091D9-9AD6-456E-A514-ADBE80B7E88B}" sibTransId="{AD96C062-E754-40B9-9033-83524B0D1888}"/>
+    <dgm:cxn modelId="{28EFA268-31CA-405B-803E-EFE66CE5BB21}" type="presOf" srcId="{735C3D56-E938-497E-A4BD-31DCE7282A91}" destId="{97665454-B3B1-4BBB-BA91-FC2C16626495}" srcOrd="0" destOrd="0" presId="urn:microsoft.com/office/officeart/2005/8/layout/orgChart1"/>
+    <dgm:cxn modelId="{399FDD97-13DD-41EC-8022-9B62157C6378}" srcId="{938F2529-BB63-494A-8D98-70E229FE5656}" destId="{5849EACB-4C12-45FD-913A-CF3486F2991E}" srcOrd="0" destOrd="0" parTransId="{D3F7F743-A4C9-42F3-98C3-F7B591E6013E}" sibTransId="{F5B1F9D7-C939-4B65-98BD-9966E2F32C51}"/>
+    <dgm:cxn modelId="{A9867B3B-FCE1-4F7A-9848-18D87D03F8EE}" type="presOf" srcId="{F032CEFA-7B9E-4868-B768-D2E4A0DFB6F2}" destId="{ADA1C941-697B-4111-9E7F-070D35E79B6D}" srcOrd="0" destOrd="0" presId="urn:microsoft.com/office/officeart/2005/8/layout/orgChart1"/>
     <dgm:cxn modelId="{2DF3F602-D0C7-41B9-99FE-0939DC88ACA7}" type="presParOf" srcId="{15226FB5-FA77-401C-AC7E-11357529C0F7}" destId="{74911B7E-EF75-4B5B-A373-4B33E289231B}" srcOrd="0" destOrd="0" presId="urn:microsoft.com/office/officeart/2005/8/layout/orgChart1"/>
     <dgm:cxn modelId="{CF3BF50A-2C64-4E4B-9ABE-1060CE788FAD}" type="presParOf" srcId="{74911B7E-EF75-4B5B-A373-4B33E289231B}" destId="{3B7CDBB2-6878-48ED-A687-7CF5D399703A}" srcOrd="0" destOrd="0" presId="urn:microsoft.com/office/officeart/2005/8/layout/orgChart1"/>
     <dgm:cxn modelId="{E94EBBCD-9AA6-4854-B5FC-6AEE662A51F8}" type="presParOf" srcId="{3B7CDBB2-6878-48ED-A687-7CF5D399703A}" destId="{4BA606BE-BA68-487A-8DC6-A7E364B3D665}" srcOrd="0" destOrd="0" presId="urn:microsoft.com/office/officeart/2005/8/layout/orgChart1"/>
@@ -2212,1810 +2458,6 @@
       <dsp:cNvGrpSpPr/>
     </dsp:nvGrpSpPr>
     <dsp:grpSpPr/>
-    <dsp:sp modelId="{BF009D17-4DA6-4C60-A243-61DE8908F435}">
-      <dsp:nvSpPr>
-        <dsp:cNvPr id="0" name=""/>
-        <dsp:cNvSpPr/>
-      </dsp:nvSpPr>
-      <dsp:spPr>
-        <a:xfrm>
-          <a:off x="7167279" y="2420495"/>
-          <a:ext cx="1523493" cy="264408"/>
-        </a:xfrm>
-        <a:custGeom>
-          <a:avLst/>
-          <a:gdLst/>
-          <a:ahLst/>
-          <a:cxnLst/>
-          <a:rect l="0" t="0" r="0" b="0"/>
-          <a:pathLst>
-            <a:path>
-              <a:moveTo>
-                <a:pt x="0" y="0"/>
-              </a:moveTo>
-              <a:lnTo>
-                <a:pt x="0" y="132204"/>
-              </a:lnTo>
-              <a:lnTo>
-                <a:pt x="1523493" y="132204"/>
-              </a:lnTo>
-              <a:lnTo>
-                <a:pt x="1523493" y="264408"/>
-              </a:lnTo>
-            </a:path>
-          </a:pathLst>
-        </a:custGeom>
-        <a:noFill/>
-        <a:ln w="12700" cap="flat" cmpd="sng" algn="ctr">
-          <a:solidFill>
-            <a:schemeClr val="accent1">
-              <a:shade val="80000"/>
-              <a:hueOff val="0"/>
-              <a:satOff val="0"/>
-              <a:lumOff val="0"/>
-              <a:alphaOff val="0"/>
-            </a:schemeClr>
-          </a:solidFill>
-          <a:prstDash val="solid"/>
-        </a:ln>
-        <a:effectLst/>
-      </dsp:spPr>
-      <dsp:style>
-        <a:lnRef idx="2">
-          <a:scrgbClr r="0" g="0" b="0"/>
-        </a:lnRef>
-        <a:fillRef idx="0">
-          <a:scrgbClr r="0" g="0" b="0"/>
-        </a:fillRef>
-        <a:effectRef idx="0">
-          <a:scrgbClr r="0" g="0" b="0"/>
-        </a:effectRef>
-        <a:fontRef idx="minor"/>
-      </dsp:style>
-    </dsp:sp>
-    <dsp:sp modelId="{F843902D-AE9C-4496-978D-E6879C26DAAD}">
-      <dsp:nvSpPr>
-        <dsp:cNvPr id="0" name=""/>
-        <dsp:cNvSpPr/>
-      </dsp:nvSpPr>
-      <dsp:spPr>
-        <a:xfrm>
-          <a:off x="6663645" y="3314446"/>
-          <a:ext cx="188862" cy="579179"/>
-        </a:xfrm>
-        <a:custGeom>
-          <a:avLst/>
-          <a:gdLst/>
-          <a:ahLst/>
-          <a:cxnLst/>
-          <a:rect l="0" t="0" r="0" b="0"/>
-          <a:pathLst>
-            <a:path>
-              <a:moveTo>
-                <a:pt x="0" y="0"/>
-              </a:moveTo>
-              <a:lnTo>
-                <a:pt x="0" y="579179"/>
-              </a:lnTo>
-              <a:lnTo>
-                <a:pt x="188862" y="579179"/>
-              </a:lnTo>
-            </a:path>
-          </a:pathLst>
-        </a:custGeom>
-        <a:noFill/>
-        <a:ln w="12700" cap="flat" cmpd="sng" algn="ctr">
-          <a:solidFill>
-            <a:schemeClr val="accent1">
-              <a:shade val="80000"/>
-              <a:hueOff val="0"/>
-              <a:satOff val="0"/>
-              <a:lumOff val="0"/>
-              <a:alphaOff val="0"/>
-            </a:schemeClr>
-          </a:solidFill>
-          <a:prstDash val="solid"/>
-        </a:ln>
-        <a:effectLst/>
-      </dsp:spPr>
-      <dsp:style>
-        <a:lnRef idx="2">
-          <a:scrgbClr r="0" g="0" b="0"/>
-        </a:lnRef>
-        <a:fillRef idx="0">
-          <a:scrgbClr r="0" g="0" b="0"/>
-        </a:fillRef>
-        <a:effectRef idx="0">
-          <a:scrgbClr r="0" g="0" b="0"/>
-        </a:effectRef>
-        <a:fontRef idx="minor"/>
-      </dsp:style>
-    </dsp:sp>
-    <dsp:sp modelId="{ECA9E129-B037-49B5-8931-8ED52FCC81DF}">
-      <dsp:nvSpPr>
-        <dsp:cNvPr id="0" name=""/>
-        <dsp:cNvSpPr/>
-      </dsp:nvSpPr>
-      <dsp:spPr>
-        <a:xfrm>
-          <a:off x="7121559" y="2420495"/>
-          <a:ext cx="91440" cy="264408"/>
-        </a:xfrm>
-        <a:custGeom>
-          <a:avLst/>
-          <a:gdLst/>
-          <a:ahLst/>
-          <a:cxnLst/>
-          <a:rect l="0" t="0" r="0" b="0"/>
-          <a:pathLst>
-            <a:path>
-              <a:moveTo>
-                <a:pt x="45720" y="0"/>
-              </a:moveTo>
-              <a:lnTo>
-                <a:pt x="45720" y="264408"/>
-              </a:lnTo>
-            </a:path>
-          </a:pathLst>
-        </a:custGeom>
-        <a:noFill/>
-        <a:ln w="12700" cap="flat" cmpd="sng" algn="ctr">
-          <a:solidFill>
-            <a:schemeClr val="accent1">
-              <a:shade val="80000"/>
-              <a:hueOff val="0"/>
-              <a:satOff val="0"/>
-              <a:lumOff val="0"/>
-              <a:alphaOff val="0"/>
-            </a:schemeClr>
-          </a:solidFill>
-          <a:prstDash val="solid"/>
-        </a:ln>
-        <a:effectLst/>
-      </dsp:spPr>
-      <dsp:style>
-        <a:lnRef idx="2">
-          <a:scrgbClr r="0" g="0" b="0"/>
-        </a:lnRef>
-        <a:fillRef idx="0">
-          <a:scrgbClr r="0" g="0" b="0"/>
-        </a:fillRef>
-        <a:effectRef idx="0">
-          <a:scrgbClr r="0" g="0" b="0"/>
-        </a:effectRef>
-        <a:fontRef idx="minor"/>
-      </dsp:style>
-    </dsp:sp>
-    <dsp:sp modelId="{6CA76548-22B4-4CF6-86BD-1DC57E3FA592}">
-      <dsp:nvSpPr>
-        <dsp:cNvPr id="0" name=""/>
-        <dsp:cNvSpPr/>
-      </dsp:nvSpPr>
-      <dsp:spPr>
-        <a:xfrm>
-          <a:off x="5021067" y="3314446"/>
-          <a:ext cx="119084" cy="592538"/>
-        </a:xfrm>
-        <a:custGeom>
-          <a:avLst/>
-          <a:gdLst/>
-          <a:ahLst/>
-          <a:cxnLst/>
-          <a:rect l="0" t="0" r="0" b="0"/>
-          <a:pathLst>
-            <a:path>
-              <a:moveTo>
-                <a:pt x="119084" y="0"/>
-              </a:moveTo>
-              <a:lnTo>
-                <a:pt x="119084" y="592538"/>
-              </a:lnTo>
-              <a:lnTo>
-                <a:pt x="0" y="592538"/>
-              </a:lnTo>
-            </a:path>
-          </a:pathLst>
-        </a:custGeom>
-        <a:noFill/>
-        <a:ln w="12700" cap="flat" cmpd="sng" algn="ctr">
-          <a:solidFill>
-            <a:schemeClr val="accent1">
-              <a:shade val="80000"/>
-              <a:hueOff val="0"/>
-              <a:satOff val="0"/>
-              <a:lumOff val="0"/>
-              <a:alphaOff val="0"/>
-            </a:schemeClr>
-          </a:solidFill>
-          <a:prstDash val="solid"/>
-        </a:ln>
-        <a:effectLst/>
-      </dsp:spPr>
-      <dsp:style>
-        <a:lnRef idx="2">
-          <a:scrgbClr r="0" g="0" b="0"/>
-        </a:lnRef>
-        <a:fillRef idx="0">
-          <a:scrgbClr r="0" g="0" b="0"/>
-        </a:fillRef>
-        <a:effectRef idx="0">
-          <a:scrgbClr r="0" g="0" b="0"/>
-        </a:effectRef>
-        <a:fontRef idx="minor"/>
-      </dsp:style>
-    </dsp:sp>
-    <dsp:sp modelId="{C9867337-3EBD-4B89-A6C1-964DD0E84360}">
-      <dsp:nvSpPr>
-        <dsp:cNvPr id="0" name=""/>
-        <dsp:cNvSpPr/>
-      </dsp:nvSpPr>
-      <dsp:spPr>
-        <a:xfrm>
-          <a:off x="5140151" y="3314446"/>
-          <a:ext cx="188862" cy="592538"/>
-        </a:xfrm>
-        <a:custGeom>
-          <a:avLst/>
-          <a:gdLst/>
-          <a:ahLst/>
-          <a:cxnLst/>
-          <a:rect l="0" t="0" r="0" b="0"/>
-          <a:pathLst>
-            <a:path>
-              <a:moveTo>
-                <a:pt x="0" y="0"/>
-              </a:moveTo>
-              <a:lnTo>
-                <a:pt x="0" y="592538"/>
-              </a:lnTo>
-              <a:lnTo>
-                <a:pt x="188862" y="592538"/>
-              </a:lnTo>
-            </a:path>
-          </a:pathLst>
-        </a:custGeom>
-        <a:noFill/>
-        <a:ln w="12700" cap="flat" cmpd="sng" algn="ctr">
-          <a:solidFill>
-            <a:schemeClr val="accent1">
-              <a:shade val="80000"/>
-              <a:hueOff val="0"/>
-              <a:satOff val="0"/>
-              <a:lumOff val="0"/>
-              <a:alphaOff val="0"/>
-            </a:schemeClr>
-          </a:solidFill>
-          <a:prstDash val="solid"/>
-        </a:ln>
-        <a:effectLst/>
-      </dsp:spPr>
-      <dsp:style>
-        <a:lnRef idx="2">
-          <a:scrgbClr r="0" g="0" b="0"/>
-        </a:lnRef>
-        <a:fillRef idx="0">
-          <a:scrgbClr r="0" g="0" b="0"/>
-        </a:fillRef>
-        <a:effectRef idx="0">
-          <a:scrgbClr r="0" g="0" b="0"/>
-        </a:effectRef>
-        <a:fontRef idx="minor"/>
-      </dsp:style>
-    </dsp:sp>
-    <dsp:sp modelId="{8C89FA41-30DC-43DB-A7F5-33ED4810F2F1}">
-      <dsp:nvSpPr>
-        <dsp:cNvPr id="0" name=""/>
-        <dsp:cNvSpPr/>
-      </dsp:nvSpPr>
-      <dsp:spPr>
-        <a:xfrm>
-          <a:off x="5643785" y="2420495"/>
-          <a:ext cx="1523493" cy="264408"/>
-        </a:xfrm>
-        <a:custGeom>
-          <a:avLst/>
-          <a:gdLst/>
-          <a:ahLst/>
-          <a:cxnLst/>
-          <a:rect l="0" t="0" r="0" b="0"/>
-          <a:pathLst>
-            <a:path>
-              <a:moveTo>
-                <a:pt x="1523493" y="0"/>
-              </a:moveTo>
-              <a:lnTo>
-                <a:pt x="1523493" y="132204"/>
-              </a:lnTo>
-              <a:lnTo>
-                <a:pt x="0" y="132204"/>
-              </a:lnTo>
-              <a:lnTo>
-                <a:pt x="0" y="264408"/>
-              </a:lnTo>
-            </a:path>
-          </a:pathLst>
-        </a:custGeom>
-        <a:noFill/>
-        <a:ln w="12700" cap="flat" cmpd="sng" algn="ctr">
-          <a:solidFill>
-            <a:schemeClr val="accent1">
-              <a:shade val="80000"/>
-              <a:hueOff val="0"/>
-              <a:satOff val="0"/>
-              <a:lumOff val="0"/>
-              <a:alphaOff val="0"/>
-            </a:schemeClr>
-          </a:solidFill>
-          <a:prstDash val="solid"/>
-        </a:ln>
-        <a:effectLst/>
-      </dsp:spPr>
-      <dsp:style>
-        <a:lnRef idx="2">
-          <a:scrgbClr r="0" g="0" b="0"/>
-        </a:lnRef>
-        <a:fillRef idx="0">
-          <a:scrgbClr r="0" g="0" b="0"/>
-        </a:fillRef>
-        <a:effectRef idx="0">
-          <a:scrgbClr r="0" g="0" b="0"/>
-        </a:effectRef>
-        <a:fontRef idx="minor"/>
-      </dsp:style>
-    </dsp:sp>
-    <dsp:sp modelId="{C91C80C0-0611-405A-8150-CD1A2468F956}">
-      <dsp:nvSpPr>
-        <dsp:cNvPr id="0" name=""/>
-        <dsp:cNvSpPr/>
-      </dsp:nvSpPr>
-      <dsp:spPr>
-        <a:xfrm>
-          <a:off x="4724653" y="1526544"/>
-          <a:ext cx="2442626" cy="264408"/>
-        </a:xfrm>
-        <a:custGeom>
-          <a:avLst/>
-          <a:gdLst/>
-          <a:ahLst/>
-          <a:cxnLst/>
-          <a:rect l="0" t="0" r="0" b="0"/>
-          <a:pathLst>
-            <a:path>
-              <a:moveTo>
-                <a:pt x="0" y="0"/>
-              </a:moveTo>
-              <a:lnTo>
-                <a:pt x="0" y="132204"/>
-              </a:lnTo>
-              <a:lnTo>
-                <a:pt x="2442626" y="132204"/>
-              </a:lnTo>
-              <a:lnTo>
-                <a:pt x="2442626" y="264408"/>
-              </a:lnTo>
-            </a:path>
-          </a:pathLst>
-        </a:custGeom>
-        <a:noFill/>
-        <a:ln w="12700" cap="flat" cmpd="sng" algn="ctr">
-          <a:solidFill>
-            <a:schemeClr val="accent1">
-              <a:shade val="80000"/>
-              <a:hueOff val="0"/>
-              <a:satOff val="0"/>
-              <a:lumOff val="0"/>
-              <a:alphaOff val="0"/>
-            </a:schemeClr>
-          </a:solidFill>
-          <a:prstDash val="solid"/>
-        </a:ln>
-        <a:effectLst/>
-      </dsp:spPr>
-      <dsp:style>
-        <a:lnRef idx="2">
-          <a:scrgbClr r="0" g="0" b="0"/>
-        </a:lnRef>
-        <a:fillRef idx="0">
-          <a:scrgbClr r="0" g="0" b="0"/>
-        </a:fillRef>
-        <a:effectRef idx="0">
-          <a:scrgbClr r="0" g="0" b="0"/>
-        </a:effectRef>
-        <a:fontRef idx="minor"/>
-      </dsp:style>
-    </dsp:sp>
-    <dsp:sp modelId="{D8640681-F1A8-44AB-A1D0-F3DB5D03A0B8}">
-      <dsp:nvSpPr>
-        <dsp:cNvPr id="0" name=""/>
-        <dsp:cNvSpPr/>
-      </dsp:nvSpPr>
-      <dsp:spPr>
-        <a:xfrm>
-          <a:off x="3301885" y="2420495"/>
-          <a:ext cx="188862" cy="579179"/>
-        </a:xfrm>
-        <a:custGeom>
-          <a:avLst/>
-          <a:gdLst/>
-          <a:ahLst/>
-          <a:cxnLst/>
-          <a:rect l="0" t="0" r="0" b="0"/>
-          <a:pathLst>
-            <a:path>
-              <a:moveTo>
-                <a:pt x="0" y="0"/>
-              </a:moveTo>
-              <a:lnTo>
-                <a:pt x="0" y="579179"/>
-              </a:lnTo>
-              <a:lnTo>
-                <a:pt x="188862" y="579179"/>
-              </a:lnTo>
-            </a:path>
-          </a:pathLst>
-        </a:custGeom>
-        <a:noFill/>
-        <a:ln w="12700" cap="flat" cmpd="sng" algn="ctr">
-          <a:solidFill>
-            <a:schemeClr val="accent1">
-              <a:shade val="80000"/>
-              <a:hueOff val="0"/>
-              <a:satOff val="0"/>
-              <a:lumOff val="0"/>
-              <a:alphaOff val="0"/>
-            </a:schemeClr>
-          </a:solidFill>
-          <a:prstDash val="solid"/>
-        </a:ln>
-        <a:effectLst/>
-      </dsp:spPr>
-      <dsp:style>
-        <a:lnRef idx="2">
-          <a:scrgbClr r="0" g="0" b="0"/>
-        </a:lnRef>
-        <a:fillRef idx="0">
-          <a:scrgbClr r="0" g="0" b="0"/>
-        </a:fillRef>
-        <a:effectRef idx="0">
-          <a:scrgbClr r="0" g="0" b="0"/>
-        </a:effectRef>
-        <a:fontRef idx="minor"/>
-      </dsp:style>
-    </dsp:sp>
-    <dsp:sp modelId="{055A5B9B-C39D-45B8-85A6-3E8AC04CC563}">
-      <dsp:nvSpPr>
-        <dsp:cNvPr id="0" name=""/>
-        <dsp:cNvSpPr/>
-      </dsp:nvSpPr>
-      <dsp:spPr>
-        <a:xfrm>
-          <a:off x="3805520" y="1526544"/>
-          <a:ext cx="919132" cy="264408"/>
-        </a:xfrm>
-        <a:custGeom>
-          <a:avLst/>
-          <a:gdLst/>
-          <a:ahLst/>
-          <a:cxnLst/>
-          <a:rect l="0" t="0" r="0" b="0"/>
-          <a:pathLst>
-            <a:path>
-              <a:moveTo>
-                <a:pt x="919132" y="0"/>
-              </a:moveTo>
-              <a:lnTo>
-                <a:pt x="919132" y="132204"/>
-              </a:lnTo>
-              <a:lnTo>
-                <a:pt x="0" y="132204"/>
-              </a:lnTo>
-              <a:lnTo>
-                <a:pt x="0" y="264408"/>
-              </a:lnTo>
-            </a:path>
-          </a:pathLst>
-        </a:custGeom>
-        <a:noFill/>
-        <a:ln w="12700" cap="flat" cmpd="sng" algn="ctr">
-          <a:solidFill>
-            <a:schemeClr val="accent1">
-              <a:shade val="80000"/>
-              <a:hueOff val="0"/>
-              <a:satOff val="0"/>
-              <a:lumOff val="0"/>
-              <a:alphaOff val="0"/>
-            </a:schemeClr>
-          </a:solidFill>
-          <a:prstDash val="solid"/>
-        </a:ln>
-        <a:effectLst/>
-      </dsp:spPr>
-      <dsp:style>
-        <a:lnRef idx="2">
-          <a:scrgbClr r="0" g="0" b="0"/>
-        </a:lnRef>
-        <a:fillRef idx="0">
-          <a:scrgbClr r="0" g="0" b="0"/>
-        </a:fillRef>
-        <a:effectRef idx="0">
-          <a:scrgbClr r="0" g="0" b="0"/>
-        </a:effectRef>
-        <a:fontRef idx="minor"/>
-      </dsp:style>
-    </dsp:sp>
-    <dsp:sp modelId="{ADA1C941-697B-4111-9E7F-070D35E79B6D}">
-      <dsp:nvSpPr>
-        <dsp:cNvPr id="0" name=""/>
-        <dsp:cNvSpPr/>
-      </dsp:nvSpPr>
-      <dsp:spPr>
-        <a:xfrm>
-          <a:off x="1640081" y="2420495"/>
-          <a:ext cx="138310" cy="591757"/>
-        </a:xfrm>
-        <a:custGeom>
-          <a:avLst/>
-          <a:gdLst/>
-          <a:ahLst/>
-          <a:cxnLst/>
-          <a:rect l="0" t="0" r="0" b="0"/>
-          <a:pathLst>
-            <a:path>
-              <a:moveTo>
-                <a:pt x="138310" y="0"/>
-              </a:moveTo>
-              <a:lnTo>
-                <a:pt x="138310" y="591757"/>
-              </a:lnTo>
-              <a:lnTo>
-                <a:pt x="0" y="591757"/>
-              </a:lnTo>
-            </a:path>
-          </a:pathLst>
-        </a:custGeom>
-        <a:noFill/>
-        <a:ln w="12700" cap="flat" cmpd="sng" algn="ctr">
-          <a:solidFill>
-            <a:schemeClr val="accent1">
-              <a:shade val="80000"/>
-              <a:hueOff val="0"/>
-              <a:satOff val="0"/>
-              <a:lumOff val="0"/>
-              <a:alphaOff val="0"/>
-            </a:schemeClr>
-          </a:solidFill>
-          <a:prstDash val="solid"/>
-        </a:ln>
-        <a:effectLst/>
-      </dsp:spPr>
-      <dsp:style>
-        <a:lnRef idx="2">
-          <a:scrgbClr r="0" g="0" b="0"/>
-        </a:lnRef>
-        <a:fillRef idx="0">
-          <a:scrgbClr r="0" g="0" b="0"/>
-        </a:fillRef>
-        <a:effectRef idx="0">
-          <a:scrgbClr r="0" g="0" b="0"/>
-        </a:effectRef>
-        <a:fontRef idx="minor"/>
-      </dsp:style>
-    </dsp:sp>
-    <dsp:sp modelId="{109D349E-8E3A-4D93-8F4D-A2FFF2404386}">
-      <dsp:nvSpPr>
-        <dsp:cNvPr id="0" name=""/>
-        <dsp:cNvSpPr/>
-      </dsp:nvSpPr>
-      <dsp:spPr>
-        <a:xfrm>
-          <a:off x="1778391" y="2420495"/>
-          <a:ext cx="188862" cy="592538"/>
-        </a:xfrm>
-        <a:custGeom>
-          <a:avLst/>
-          <a:gdLst/>
-          <a:ahLst/>
-          <a:cxnLst/>
-          <a:rect l="0" t="0" r="0" b="0"/>
-          <a:pathLst>
-            <a:path>
-              <a:moveTo>
-                <a:pt x="0" y="0"/>
-              </a:moveTo>
-              <a:lnTo>
-                <a:pt x="0" y="592538"/>
-              </a:lnTo>
-              <a:lnTo>
-                <a:pt x="188862" y="592538"/>
-              </a:lnTo>
-            </a:path>
-          </a:pathLst>
-        </a:custGeom>
-        <a:noFill/>
-        <a:ln w="12700" cap="flat" cmpd="sng" algn="ctr">
-          <a:solidFill>
-            <a:schemeClr val="accent1">
-              <a:shade val="80000"/>
-              <a:hueOff val="0"/>
-              <a:satOff val="0"/>
-              <a:lumOff val="0"/>
-              <a:alphaOff val="0"/>
-            </a:schemeClr>
-          </a:solidFill>
-          <a:prstDash val="solid"/>
-        </a:ln>
-        <a:effectLst/>
-      </dsp:spPr>
-      <dsp:style>
-        <a:lnRef idx="2">
-          <a:scrgbClr r="0" g="0" b="0"/>
-        </a:lnRef>
-        <a:fillRef idx="0">
-          <a:scrgbClr r="0" g="0" b="0"/>
-        </a:fillRef>
-        <a:effectRef idx="0">
-          <a:scrgbClr r="0" g="0" b="0"/>
-        </a:effectRef>
-        <a:fontRef idx="minor"/>
-      </dsp:style>
-    </dsp:sp>
-    <dsp:sp modelId="{A0E52255-A79D-42D0-B46B-94E48D08CF05}">
-      <dsp:nvSpPr>
-        <dsp:cNvPr id="0" name=""/>
-        <dsp:cNvSpPr/>
-      </dsp:nvSpPr>
-      <dsp:spPr>
-        <a:xfrm>
-          <a:off x="2282026" y="1526544"/>
-          <a:ext cx="2442626" cy="264408"/>
-        </a:xfrm>
-        <a:custGeom>
-          <a:avLst/>
-          <a:gdLst/>
-          <a:ahLst/>
-          <a:cxnLst/>
-          <a:rect l="0" t="0" r="0" b="0"/>
-          <a:pathLst>
-            <a:path>
-              <a:moveTo>
-                <a:pt x="2442626" y="0"/>
-              </a:moveTo>
-              <a:lnTo>
-                <a:pt x="2442626" y="132204"/>
-              </a:lnTo>
-              <a:lnTo>
-                <a:pt x="0" y="132204"/>
-              </a:lnTo>
-              <a:lnTo>
-                <a:pt x="0" y="264408"/>
-              </a:lnTo>
-            </a:path>
-          </a:pathLst>
-        </a:custGeom>
-        <a:noFill/>
-        <a:ln w="12700" cap="flat" cmpd="sng" algn="ctr">
-          <a:solidFill>
-            <a:schemeClr val="accent1">
-              <a:shade val="80000"/>
-              <a:hueOff val="0"/>
-              <a:satOff val="0"/>
-              <a:lumOff val="0"/>
-              <a:alphaOff val="0"/>
-            </a:schemeClr>
-          </a:solidFill>
-          <a:prstDash val="solid"/>
-        </a:ln>
-        <a:effectLst/>
-      </dsp:spPr>
-      <dsp:style>
-        <a:lnRef idx="2">
-          <a:scrgbClr r="0" g="0" b="0"/>
-        </a:lnRef>
-        <a:fillRef idx="0">
-          <a:scrgbClr r="0" g="0" b="0"/>
-        </a:fillRef>
-        <a:effectRef idx="0">
-          <a:scrgbClr r="0" g="0" b="0"/>
-        </a:effectRef>
-        <a:fontRef idx="minor"/>
-      </dsp:style>
-    </dsp:sp>
-    <dsp:sp modelId="{AD39CAF8-B350-4DCD-8D9E-D4126A4BD6C7}">
-      <dsp:nvSpPr>
-        <dsp:cNvPr id="0" name=""/>
-        <dsp:cNvSpPr/>
-      </dsp:nvSpPr>
-      <dsp:spPr>
-        <a:xfrm>
-          <a:off x="4678933" y="632593"/>
-          <a:ext cx="91440" cy="264408"/>
-        </a:xfrm>
-        <a:custGeom>
-          <a:avLst/>
-          <a:gdLst/>
-          <a:ahLst/>
-          <a:cxnLst/>
-          <a:rect l="0" t="0" r="0" b="0"/>
-          <a:pathLst>
-            <a:path>
-              <a:moveTo>
-                <a:pt x="45720" y="0"/>
-              </a:moveTo>
-              <a:lnTo>
-                <a:pt x="45720" y="264408"/>
-              </a:lnTo>
-            </a:path>
-          </a:pathLst>
-        </a:custGeom>
-        <a:noFill/>
-        <a:ln w="12700" cap="flat" cmpd="sng" algn="ctr">
-          <a:solidFill>
-            <a:schemeClr val="accent1">
-              <a:shade val="60000"/>
-              <a:hueOff val="0"/>
-              <a:satOff val="0"/>
-              <a:lumOff val="0"/>
-              <a:alphaOff val="0"/>
-            </a:schemeClr>
-          </a:solidFill>
-          <a:prstDash val="solid"/>
-        </a:ln>
-        <a:effectLst/>
-      </dsp:spPr>
-      <dsp:style>
-        <a:lnRef idx="2">
-          <a:scrgbClr r="0" g="0" b="0"/>
-        </a:lnRef>
-        <a:fillRef idx="0">
-          <a:scrgbClr r="0" g="0" b="0"/>
-        </a:fillRef>
-        <a:effectRef idx="0">
-          <a:scrgbClr r="0" g="0" b="0"/>
-        </a:effectRef>
-        <a:fontRef idx="minor"/>
-      </dsp:style>
-    </dsp:sp>
-    <dsp:sp modelId="{4BA606BE-BA68-487A-8DC6-A7E364B3D665}">
-      <dsp:nvSpPr>
-        <dsp:cNvPr id="0" name=""/>
-        <dsp:cNvSpPr/>
-      </dsp:nvSpPr>
-      <dsp:spPr>
-        <a:xfrm>
-          <a:off x="4095110" y="3050"/>
-          <a:ext cx="1259085" cy="629542"/>
-        </a:xfrm>
-        <a:prstGeom prst="rect">
-          <a:avLst/>
-        </a:prstGeom>
-        <a:solidFill>
-          <a:schemeClr val="accent1">
-            <a:hueOff val="0"/>
-            <a:satOff val="0"/>
-            <a:lumOff val="0"/>
-            <a:alphaOff val="0"/>
-          </a:schemeClr>
-        </a:solidFill>
-        <a:ln w="12700" cap="flat" cmpd="sng" algn="ctr">
-          <a:solidFill>
-            <a:schemeClr val="lt1">
-              <a:hueOff val="0"/>
-              <a:satOff val="0"/>
-              <a:lumOff val="0"/>
-              <a:alphaOff val="0"/>
-            </a:schemeClr>
-          </a:solidFill>
-          <a:prstDash val="solid"/>
-        </a:ln>
-        <a:effectLst/>
-      </dsp:spPr>
-      <dsp:style>
-        <a:lnRef idx="2">
-          <a:scrgbClr r="0" g="0" b="0"/>
-        </a:lnRef>
-        <a:fillRef idx="1">
-          <a:scrgbClr r="0" g="0" b="0"/>
-        </a:fillRef>
-        <a:effectRef idx="0">
-          <a:scrgbClr r="0" g="0" b="0"/>
-        </a:effectRef>
-        <a:fontRef idx="minor">
-          <a:schemeClr val="lt1"/>
-        </a:fontRef>
-      </dsp:style>
-      <dsp:txBody>
-        <a:bodyPr spcFirstLastPara="0" vert="horz" wrap="square" lIns="6985" tIns="6985" rIns="6985" bIns="6985" numCol="1" spcCol="1270" anchor="ctr" anchorCtr="0">
-          <a:noAutofit/>
-        </a:bodyPr>
-        <a:lstStyle/>
-        <a:p>
-          <a:pPr lvl="0" algn="ctr" defTabSz="488950">
-            <a:lnSpc>
-              <a:spcPct val="90000"/>
-            </a:lnSpc>
-            <a:spcBef>
-              <a:spcPct val="0"/>
-            </a:spcBef>
-            <a:spcAft>
-              <a:spcPct val="35000"/>
-            </a:spcAft>
-          </a:pPr>
-          <a:r>
-            <a:rPr lang="en-US" sz="1100" kern="1200" dirty="0" smtClean="0"/>
-            <a:t>App</a:t>
-          </a:r>
-          <a:endParaRPr lang="en-US" sz="1100" kern="1200" dirty="0"/>
-        </a:p>
-      </dsp:txBody>
-      <dsp:txXfrm>
-        <a:off x="4095110" y="3050"/>
-        <a:ext cx="1259085" cy="629542"/>
-      </dsp:txXfrm>
-    </dsp:sp>
-    <dsp:sp modelId="{55F65988-8EB1-4346-9FBE-CA8BCE516611}">
-      <dsp:nvSpPr>
-        <dsp:cNvPr id="0" name=""/>
-        <dsp:cNvSpPr/>
-      </dsp:nvSpPr>
-      <dsp:spPr>
-        <a:xfrm>
-          <a:off x="4095110" y="897001"/>
-          <a:ext cx="1259085" cy="629542"/>
-        </a:xfrm>
-        <a:prstGeom prst="rect">
-          <a:avLst/>
-        </a:prstGeom>
-        <a:solidFill>
-          <a:schemeClr val="accent6"/>
-        </a:solidFill>
-        <a:ln w="12700" cap="flat" cmpd="sng" algn="ctr">
-          <a:solidFill>
-            <a:schemeClr val="lt1">
-              <a:hueOff val="0"/>
-              <a:satOff val="0"/>
-              <a:lumOff val="0"/>
-              <a:alphaOff val="0"/>
-            </a:schemeClr>
-          </a:solidFill>
-          <a:prstDash val="solid"/>
-        </a:ln>
-        <a:effectLst/>
-      </dsp:spPr>
-      <dsp:style>
-        <a:lnRef idx="2">
-          <a:scrgbClr r="0" g="0" b="0"/>
-        </a:lnRef>
-        <a:fillRef idx="1">
-          <a:scrgbClr r="0" g="0" b="0"/>
-        </a:fillRef>
-        <a:effectRef idx="0">
-          <a:scrgbClr r="0" g="0" b="0"/>
-        </a:effectRef>
-        <a:fontRef idx="minor">
-          <a:schemeClr val="lt1"/>
-        </a:fontRef>
-      </dsp:style>
-      <dsp:txBody>
-        <a:bodyPr spcFirstLastPara="0" vert="horz" wrap="square" lIns="6985" tIns="6985" rIns="6985" bIns="6985" numCol="1" spcCol="1270" anchor="ctr" anchorCtr="0">
-          <a:noAutofit/>
-        </a:bodyPr>
-        <a:lstStyle/>
-        <a:p>
-          <a:pPr lvl="0" algn="ctr" defTabSz="488950">
-            <a:lnSpc>
-              <a:spcPct val="90000"/>
-            </a:lnSpc>
-            <a:spcBef>
-              <a:spcPct val="0"/>
-            </a:spcBef>
-            <a:spcAft>
-              <a:spcPct val="35000"/>
-            </a:spcAft>
-          </a:pPr>
-          <a:r>
-            <a:rPr lang="en-US" sz="1100" kern="1200" smtClean="0"/>
-            <a:t>CustomerSection</a:t>
-          </a:r>
-          <a:endParaRPr lang="en-US" sz="1100" kern="1200" dirty="0"/>
-        </a:p>
-      </dsp:txBody>
-      <dsp:txXfrm>
-        <a:off x="4095110" y="897001"/>
-        <a:ext cx="1259085" cy="629542"/>
-      </dsp:txXfrm>
-    </dsp:sp>
-    <dsp:sp modelId="{88319BBD-6402-4751-846C-35A303B92BE1}">
-      <dsp:nvSpPr>
-        <dsp:cNvPr id="0" name=""/>
-        <dsp:cNvSpPr/>
-      </dsp:nvSpPr>
-      <dsp:spPr>
-        <a:xfrm>
-          <a:off x="1652483" y="1790953"/>
-          <a:ext cx="1259085" cy="629542"/>
-        </a:xfrm>
-        <a:prstGeom prst="rect">
-          <a:avLst/>
-        </a:prstGeom>
-        <a:solidFill>
-          <a:schemeClr val="accent6"/>
-        </a:solidFill>
-        <a:ln w="12700" cap="flat" cmpd="sng" algn="ctr">
-          <a:solidFill>
-            <a:schemeClr val="lt1">
-              <a:hueOff val="0"/>
-              <a:satOff val="0"/>
-              <a:lumOff val="0"/>
-              <a:alphaOff val="0"/>
-            </a:schemeClr>
-          </a:solidFill>
-          <a:prstDash val="solid"/>
-        </a:ln>
-        <a:effectLst/>
-      </dsp:spPr>
-      <dsp:style>
-        <a:lnRef idx="2">
-          <a:scrgbClr r="0" g="0" b="0"/>
-        </a:lnRef>
-        <a:fillRef idx="1">
-          <a:scrgbClr r="0" g="0" b="0"/>
-        </a:fillRef>
-        <a:effectRef idx="0">
-          <a:scrgbClr r="0" g="0" b="0"/>
-        </a:effectRef>
-        <a:fontRef idx="minor">
-          <a:schemeClr val="lt1"/>
-        </a:fontRef>
-      </dsp:style>
-      <dsp:txBody>
-        <a:bodyPr spcFirstLastPara="0" vert="horz" wrap="square" lIns="6985" tIns="6985" rIns="6985" bIns="6985" numCol="1" spcCol="1270" anchor="ctr" anchorCtr="0">
-          <a:noAutofit/>
-        </a:bodyPr>
-        <a:lstStyle/>
-        <a:p>
-          <a:pPr lvl="0" algn="ctr" defTabSz="488950">
-            <a:lnSpc>
-              <a:spcPct val="90000"/>
-            </a:lnSpc>
-            <a:spcBef>
-              <a:spcPct val="0"/>
-            </a:spcBef>
-            <a:spcAft>
-              <a:spcPct val="35000"/>
-            </a:spcAft>
-          </a:pPr>
-          <a:r>
-            <a:rPr lang="en-US" sz="1100" kern="1200" dirty="0" err="1" smtClean="0"/>
-            <a:t>CustomerDetailEdit</a:t>
-          </a:r>
-          <a:endParaRPr lang="en-US" sz="1100" kern="1200" dirty="0"/>
-        </a:p>
-      </dsp:txBody>
-      <dsp:txXfrm>
-        <a:off x="1652483" y="1790953"/>
-        <a:ext cx="1259085" cy="629542"/>
-      </dsp:txXfrm>
-    </dsp:sp>
-    <dsp:sp modelId="{F7692701-18A6-4940-87EC-E2A8B457ABD4}">
-      <dsp:nvSpPr>
-        <dsp:cNvPr id="0" name=""/>
-        <dsp:cNvSpPr/>
-      </dsp:nvSpPr>
-      <dsp:spPr>
-        <a:xfrm>
-          <a:off x="1967254" y="2698262"/>
-          <a:ext cx="1259085" cy="629542"/>
-        </a:xfrm>
-        <a:prstGeom prst="rect">
-          <a:avLst/>
-        </a:prstGeom>
-        <a:solidFill>
-          <a:schemeClr val="accent6"/>
-        </a:solidFill>
-        <a:ln w="12700" cap="flat" cmpd="sng" algn="ctr">
-          <a:solidFill>
-            <a:schemeClr val="lt1">
-              <a:hueOff val="0"/>
-              <a:satOff val="0"/>
-              <a:lumOff val="0"/>
-              <a:alphaOff val="0"/>
-            </a:schemeClr>
-          </a:solidFill>
-          <a:prstDash val="solid"/>
-        </a:ln>
-        <a:effectLst/>
-      </dsp:spPr>
-      <dsp:style>
-        <a:lnRef idx="2">
-          <a:scrgbClr r="0" g="0" b="0"/>
-        </a:lnRef>
-        <a:fillRef idx="1">
-          <a:scrgbClr r="0" g="0" b="0"/>
-        </a:fillRef>
-        <a:effectRef idx="0">
-          <a:scrgbClr r="0" g="0" b="0"/>
-        </a:effectRef>
-        <a:fontRef idx="minor">
-          <a:schemeClr val="lt1"/>
-        </a:fontRef>
-      </dsp:style>
-      <dsp:txBody>
-        <a:bodyPr spcFirstLastPara="0" vert="horz" wrap="square" lIns="6985" tIns="6985" rIns="6985" bIns="6985" numCol="1" spcCol="1270" anchor="ctr" anchorCtr="0">
-          <a:noAutofit/>
-        </a:bodyPr>
-        <a:lstStyle/>
-        <a:p>
-          <a:pPr lvl="0" algn="ctr" defTabSz="488950">
-            <a:lnSpc>
-              <a:spcPct val="90000"/>
-            </a:lnSpc>
-            <a:spcBef>
-              <a:spcPct val="0"/>
-            </a:spcBef>
-            <a:spcAft>
-              <a:spcPct val="35000"/>
-            </a:spcAft>
-          </a:pPr>
-          <a:r>
-            <a:rPr lang="en-US" sz="1100" kern="1200" dirty="0" smtClean="0"/>
-            <a:t>AutoComplete</a:t>
-          </a:r>
-          <a:endParaRPr lang="en-US" sz="1100" kern="1200" dirty="0"/>
-        </a:p>
-      </dsp:txBody>
-      <dsp:txXfrm>
-        <a:off x="1967254" y="2698262"/>
-        <a:ext cx="1259085" cy="629542"/>
-      </dsp:txXfrm>
-    </dsp:sp>
-    <dsp:sp modelId="{A554B88B-2AE9-4346-8977-D74A9614806C}">
-      <dsp:nvSpPr>
-        <dsp:cNvPr id="0" name=""/>
-        <dsp:cNvSpPr/>
-      </dsp:nvSpPr>
-      <dsp:spPr>
-        <a:xfrm>
-          <a:off x="380995" y="2697482"/>
-          <a:ext cx="1259085" cy="629542"/>
-        </a:xfrm>
-        <a:prstGeom prst="rect">
-          <a:avLst/>
-        </a:prstGeom>
-        <a:solidFill>
-          <a:schemeClr val="accent1">
-            <a:hueOff val="0"/>
-            <a:satOff val="0"/>
-            <a:lumOff val="0"/>
-            <a:alphaOff val="0"/>
-          </a:schemeClr>
-        </a:solidFill>
-        <a:ln w="12700" cap="flat" cmpd="sng" algn="ctr">
-          <a:solidFill>
-            <a:schemeClr val="lt1">
-              <a:hueOff val="0"/>
-              <a:satOff val="0"/>
-              <a:lumOff val="0"/>
-              <a:alphaOff val="0"/>
-            </a:schemeClr>
-          </a:solidFill>
-          <a:prstDash val="solid"/>
-        </a:ln>
-        <a:effectLst/>
-      </dsp:spPr>
-      <dsp:style>
-        <a:lnRef idx="2">
-          <a:scrgbClr r="0" g="0" b="0"/>
-        </a:lnRef>
-        <a:fillRef idx="1">
-          <a:scrgbClr r="0" g="0" b="0"/>
-        </a:fillRef>
-        <a:effectRef idx="0">
-          <a:scrgbClr r="0" g="0" b="0"/>
-        </a:effectRef>
-        <a:fontRef idx="minor">
-          <a:schemeClr val="lt1"/>
-        </a:fontRef>
-      </dsp:style>
-      <dsp:txBody>
-        <a:bodyPr spcFirstLastPara="0" vert="horz" wrap="square" lIns="6985" tIns="6985" rIns="6985" bIns="6985" numCol="1" spcCol="1270" anchor="ctr" anchorCtr="0">
-          <a:noAutofit/>
-        </a:bodyPr>
-        <a:lstStyle/>
-        <a:p>
-          <a:pPr lvl="0" algn="ctr" defTabSz="488950">
-            <a:lnSpc>
-              <a:spcPct val="90000"/>
-            </a:lnSpc>
-            <a:spcBef>
-              <a:spcPct val="0"/>
-            </a:spcBef>
-            <a:spcAft>
-              <a:spcPct val="35000"/>
-            </a:spcAft>
-          </a:pPr>
-          <a:r>
-            <a:rPr lang="en-US" sz="1100" kern="1200" dirty="0" smtClean="0"/>
-            <a:t>Select</a:t>
-          </a:r>
-          <a:endParaRPr lang="en-US" sz="1100" kern="1200" dirty="0"/>
-        </a:p>
-      </dsp:txBody>
-      <dsp:txXfrm>
-        <a:off x="380995" y="2697482"/>
-        <a:ext cx="1259085" cy="629542"/>
-      </dsp:txXfrm>
-    </dsp:sp>
-    <dsp:sp modelId="{3868CFAD-7A69-4187-BDBB-651327AC451B}">
-      <dsp:nvSpPr>
-        <dsp:cNvPr id="0" name=""/>
-        <dsp:cNvSpPr/>
-      </dsp:nvSpPr>
-      <dsp:spPr>
-        <a:xfrm>
-          <a:off x="3175977" y="1790953"/>
-          <a:ext cx="1259085" cy="629542"/>
-        </a:xfrm>
-        <a:prstGeom prst="rect">
-          <a:avLst/>
-        </a:prstGeom>
-        <a:solidFill>
-          <a:schemeClr val="accent6"/>
-        </a:solidFill>
-        <a:ln w="12700" cap="flat" cmpd="sng" algn="ctr">
-          <a:solidFill>
-            <a:schemeClr val="lt1">
-              <a:hueOff val="0"/>
-              <a:satOff val="0"/>
-              <a:lumOff val="0"/>
-              <a:alphaOff val="0"/>
-            </a:schemeClr>
-          </a:solidFill>
-          <a:prstDash val="solid"/>
-        </a:ln>
-        <a:effectLst/>
-      </dsp:spPr>
-      <dsp:style>
-        <a:lnRef idx="2">
-          <a:scrgbClr r="0" g="0" b="0"/>
-        </a:lnRef>
-        <a:fillRef idx="1">
-          <a:scrgbClr r="0" g="0" b="0"/>
-        </a:fillRef>
-        <a:effectRef idx="0">
-          <a:scrgbClr r="0" g="0" b="0"/>
-        </a:effectRef>
-        <a:fontRef idx="minor">
-          <a:schemeClr val="lt1"/>
-        </a:fontRef>
-      </dsp:style>
-      <dsp:txBody>
-        <a:bodyPr spcFirstLastPara="0" vert="horz" wrap="square" lIns="6985" tIns="6985" rIns="6985" bIns="6985" numCol="1" spcCol="1270" anchor="ctr" anchorCtr="0">
-          <a:noAutofit/>
-        </a:bodyPr>
-        <a:lstStyle/>
-        <a:p>
-          <a:pPr lvl="0" algn="ctr" defTabSz="488950">
-            <a:lnSpc>
-              <a:spcPct val="90000"/>
-            </a:lnSpc>
-            <a:spcBef>
-              <a:spcPct val="0"/>
-            </a:spcBef>
-            <a:spcAft>
-              <a:spcPct val="35000"/>
-            </a:spcAft>
-          </a:pPr>
-          <a:r>
-            <a:rPr lang="en-US" sz="1100" kern="1200" dirty="0" err="1" smtClean="0"/>
-            <a:t>CustomerDetailView</a:t>
-          </a:r>
-          <a:endParaRPr lang="en-US" sz="1100" kern="1200" dirty="0"/>
-        </a:p>
-      </dsp:txBody>
-      <dsp:txXfrm>
-        <a:off x="3175977" y="1790953"/>
-        <a:ext cx="1259085" cy="629542"/>
-      </dsp:txXfrm>
-    </dsp:sp>
-    <dsp:sp modelId="{7957062C-C558-409B-B9F8-DBC2D25185FA}">
-      <dsp:nvSpPr>
-        <dsp:cNvPr id="0" name=""/>
-        <dsp:cNvSpPr/>
-      </dsp:nvSpPr>
-      <dsp:spPr>
-        <a:xfrm>
-          <a:off x="3490748" y="2684904"/>
-          <a:ext cx="1259085" cy="629542"/>
-        </a:xfrm>
-        <a:prstGeom prst="rect">
-          <a:avLst/>
-        </a:prstGeom>
-        <a:solidFill>
-          <a:schemeClr val="accent1">
-            <a:hueOff val="0"/>
-            <a:satOff val="0"/>
-            <a:lumOff val="0"/>
-            <a:alphaOff val="0"/>
-          </a:schemeClr>
-        </a:solidFill>
-        <a:ln w="12700" cap="flat" cmpd="sng" algn="ctr">
-          <a:solidFill>
-            <a:schemeClr val="lt1">
-              <a:hueOff val="0"/>
-              <a:satOff val="0"/>
-              <a:lumOff val="0"/>
-              <a:alphaOff val="0"/>
-            </a:schemeClr>
-          </a:solidFill>
-          <a:prstDash val="solid"/>
-        </a:ln>
-        <a:effectLst/>
-      </dsp:spPr>
-      <dsp:style>
-        <a:lnRef idx="2">
-          <a:scrgbClr r="0" g="0" b="0"/>
-        </a:lnRef>
-        <a:fillRef idx="1">
-          <a:scrgbClr r="0" g="0" b="0"/>
-        </a:fillRef>
-        <a:effectRef idx="0">
-          <a:scrgbClr r="0" g="0" b="0"/>
-        </a:effectRef>
-        <a:fontRef idx="minor">
-          <a:schemeClr val="lt1"/>
-        </a:fontRef>
-      </dsp:style>
-      <dsp:txBody>
-        <a:bodyPr spcFirstLastPara="0" vert="horz" wrap="square" lIns="6985" tIns="6985" rIns="6985" bIns="6985" numCol="1" spcCol="1270" anchor="ctr" anchorCtr="0">
-          <a:noAutofit/>
-        </a:bodyPr>
-        <a:lstStyle/>
-        <a:p>
-          <a:pPr lvl="0" algn="ctr" defTabSz="488950">
-            <a:lnSpc>
-              <a:spcPct val="90000"/>
-            </a:lnSpc>
-            <a:spcBef>
-              <a:spcPct val="0"/>
-            </a:spcBef>
-            <a:spcAft>
-              <a:spcPct val="35000"/>
-            </a:spcAft>
-          </a:pPr>
-          <a:r>
-            <a:rPr lang="en-US" sz="1100" kern="1200" dirty="0" smtClean="0"/>
-            <a:t>Column</a:t>
-          </a:r>
-          <a:endParaRPr lang="en-US" sz="1100" kern="1200" dirty="0"/>
-        </a:p>
-      </dsp:txBody>
-      <dsp:txXfrm>
-        <a:off x="3490748" y="2684904"/>
-        <a:ext cx="1259085" cy="629542"/>
-      </dsp:txXfrm>
-    </dsp:sp>
-    <dsp:sp modelId="{97C4F649-D4C3-4FF9-9DAB-B4F28D3FFFB1}">
-      <dsp:nvSpPr>
-        <dsp:cNvPr id="0" name=""/>
-        <dsp:cNvSpPr/>
-      </dsp:nvSpPr>
-      <dsp:spPr>
-        <a:xfrm>
-          <a:off x="6537736" y="1790953"/>
-          <a:ext cx="1259085" cy="629542"/>
-        </a:xfrm>
-        <a:prstGeom prst="rect">
-          <a:avLst/>
-        </a:prstGeom>
-        <a:solidFill>
-          <a:schemeClr val="accent3"/>
-        </a:solidFill>
-        <a:ln w="12700" cap="flat" cmpd="sng" algn="ctr">
-          <a:solidFill>
-            <a:schemeClr val="lt1">
-              <a:hueOff val="0"/>
-              <a:satOff val="0"/>
-              <a:lumOff val="0"/>
-              <a:alphaOff val="0"/>
-            </a:schemeClr>
-          </a:solidFill>
-          <a:prstDash val="solid"/>
-        </a:ln>
-        <a:effectLst/>
-      </dsp:spPr>
-      <dsp:style>
-        <a:lnRef idx="2">
-          <a:scrgbClr r="0" g="0" b="0"/>
-        </a:lnRef>
-        <a:fillRef idx="1">
-          <a:scrgbClr r="0" g="0" b="0"/>
-        </a:fillRef>
-        <a:effectRef idx="0">
-          <a:scrgbClr r="0" g="0" b="0"/>
-        </a:effectRef>
-        <a:fontRef idx="minor">
-          <a:schemeClr val="lt1"/>
-        </a:fontRef>
-      </dsp:style>
-      <dsp:txBody>
-        <a:bodyPr spcFirstLastPara="0" vert="horz" wrap="square" lIns="6985" tIns="6985" rIns="6985" bIns="6985" numCol="1" spcCol="1270" anchor="ctr" anchorCtr="0">
-          <a:noAutofit/>
-        </a:bodyPr>
-        <a:lstStyle/>
-        <a:p>
-          <a:pPr lvl="0" algn="ctr" defTabSz="488950">
-            <a:lnSpc>
-              <a:spcPct val="90000"/>
-            </a:lnSpc>
-            <a:spcBef>
-              <a:spcPct val="0"/>
-            </a:spcBef>
-            <a:spcAft>
-              <a:spcPct val="35000"/>
-            </a:spcAft>
-          </a:pPr>
-          <a:r>
-            <a:rPr lang="en-US" sz="1100" kern="1200" dirty="0" err="1" smtClean="0"/>
-            <a:t>CustomerSection</a:t>
-          </a:r>
-          <a:r>
-            <a:rPr lang="en-US" sz="1100" kern="1200" dirty="0" smtClean="0"/>
-            <a:t> (repeating as deep as necessary)</a:t>
-          </a:r>
-          <a:endParaRPr lang="en-US" sz="1100" kern="1200" dirty="0"/>
-        </a:p>
-      </dsp:txBody>
-      <dsp:txXfrm>
-        <a:off x="6537736" y="1790953"/>
-        <a:ext cx="1259085" cy="629542"/>
-      </dsp:txXfrm>
-    </dsp:sp>
-    <dsp:sp modelId="{244D5103-F0BE-4CE1-AB04-879F26B64BC5}">
-      <dsp:nvSpPr>
-        <dsp:cNvPr id="0" name=""/>
-        <dsp:cNvSpPr/>
-      </dsp:nvSpPr>
-      <dsp:spPr>
-        <a:xfrm>
-          <a:off x="5014242" y="2684904"/>
-          <a:ext cx="1259085" cy="629542"/>
-        </a:xfrm>
-        <a:prstGeom prst="rect">
-          <a:avLst/>
-        </a:prstGeom>
-        <a:solidFill>
-          <a:schemeClr val="accent6"/>
-        </a:solidFill>
-        <a:ln w="12700" cap="flat" cmpd="sng" algn="ctr">
-          <a:solidFill>
-            <a:schemeClr val="lt1">
-              <a:hueOff val="0"/>
-              <a:satOff val="0"/>
-              <a:lumOff val="0"/>
-              <a:alphaOff val="0"/>
-            </a:schemeClr>
-          </a:solidFill>
-          <a:prstDash val="solid"/>
-        </a:ln>
-        <a:effectLst/>
-      </dsp:spPr>
-      <dsp:style>
-        <a:lnRef idx="2">
-          <a:scrgbClr r="0" g="0" b="0"/>
-        </a:lnRef>
-        <a:fillRef idx="1">
-          <a:scrgbClr r="0" g="0" b="0"/>
-        </a:fillRef>
-        <a:effectRef idx="0">
-          <a:scrgbClr r="0" g="0" b="0"/>
-        </a:effectRef>
-        <a:fontRef idx="minor">
-          <a:schemeClr val="lt1"/>
-        </a:fontRef>
-      </dsp:style>
-      <dsp:txBody>
-        <a:bodyPr spcFirstLastPara="0" vert="horz" wrap="square" lIns="6985" tIns="6985" rIns="6985" bIns="6985" numCol="1" spcCol="1270" anchor="ctr" anchorCtr="0">
-          <a:noAutofit/>
-        </a:bodyPr>
-        <a:lstStyle/>
-        <a:p>
-          <a:pPr lvl="0" algn="ctr" defTabSz="488950">
-            <a:lnSpc>
-              <a:spcPct val="90000"/>
-            </a:lnSpc>
-            <a:spcBef>
-              <a:spcPct val="0"/>
-            </a:spcBef>
-            <a:spcAft>
-              <a:spcPct val="35000"/>
-            </a:spcAft>
-          </a:pPr>
-          <a:r>
-            <a:rPr lang="en-US" sz="1100" kern="1200" smtClean="0"/>
-            <a:t>CustomerDetailEdit</a:t>
-          </a:r>
-          <a:endParaRPr lang="en-US" sz="1100" kern="1200" dirty="0"/>
-        </a:p>
-      </dsp:txBody>
-      <dsp:txXfrm>
-        <a:off x="5014242" y="2684904"/>
-        <a:ext cx="1259085" cy="629542"/>
-      </dsp:txXfrm>
-    </dsp:sp>
-    <dsp:sp modelId="{97665454-B3B1-4BBB-BA91-FC2C16626495}">
-      <dsp:nvSpPr>
-        <dsp:cNvPr id="0" name=""/>
-        <dsp:cNvSpPr/>
-      </dsp:nvSpPr>
-      <dsp:spPr>
-        <a:xfrm>
-          <a:off x="5329014" y="3592213"/>
-          <a:ext cx="1259085" cy="629542"/>
-        </a:xfrm>
-        <a:prstGeom prst="rect">
-          <a:avLst/>
-        </a:prstGeom>
-        <a:solidFill>
-          <a:schemeClr val="accent6"/>
-        </a:solidFill>
-        <a:ln w="12700" cap="flat" cmpd="sng" algn="ctr">
-          <a:solidFill>
-            <a:schemeClr val="lt1">
-              <a:hueOff val="0"/>
-              <a:satOff val="0"/>
-              <a:lumOff val="0"/>
-              <a:alphaOff val="0"/>
-            </a:schemeClr>
-          </a:solidFill>
-          <a:prstDash val="solid"/>
-        </a:ln>
-        <a:effectLst/>
-      </dsp:spPr>
-      <dsp:style>
-        <a:lnRef idx="2">
-          <a:scrgbClr r="0" g="0" b="0"/>
-        </a:lnRef>
-        <a:fillRef idx="1">
-          <a:scrgbClr r="0" g="0" b="0"/>
-        </a:fillRef>
-        <a:effectRef idx="0">
-          <a:scrgbClr r="0" g="0" b="0"/>
-        </a:effectRef>
-        <a:fontRef idx="minor">
-          <a:schemeClr val="lt1"/>
-        </a:fontRef>
-      </dsp:style>
-      <dsp:txBody>
-        <a:bodyPr spcFirstLastPara="0" vert="horz" wrap="square" lIns="6985" tIns="6985" rIns="6985" bIns="6985" numCol="1" spcCol="1270" anchor="ctr" anchorCtr="0">
-          <a:noAutofit/>
-        </a:bodyPr>
-        <a:lstStyle/>
-        <a:p>
-          <a:pPr lvl="0" algn="ctr" defTabSz="488950">
-            <a:lnSpc>
-              <a:spcPct val="90000"/>
-            </a:lnSpc>
-            <a:spcBef>
-              <a:spcPct val="0"/>
-            </a:spcBef>
-            <a:spcAft>
-              <a:spcPct val="35000"/>
-            </a:spcAft>
-          </a:pPr>
-          <a:r>
-            <a:rPr lang="en-US" sz="1100" kern="1200" dirty="0" smtClean="0"/>
-            <a:t>AutoComplete</a:t>
-          </a:r>
-          <a:endParaRPr lang="en-US" sz="1100" kern="1200" dirty="0"/>
-        </a:p>
-      </dsp:txBody>
-      <dsp:txXfrm>
-        <a:off x="5329014" y="3592213"/>
-        <a:ext cx="1259085" cy="629542"/>
-      </dsp:txXfrm>
-    </dsp:sp>
-    <dsp:sp modelId="{0B1E9899-6D4D-47FF-A908-941741AEE986}">
-      <dsp:nvSpPr>
-        <dsp:cNvPr id="0" name=""/>
-        <dsp:cNvSpPr/>
-      </dsp:nvSpPr>
-      <dsp:spPr>
-        <a:xfrm>
-          <a:off x="3761981" y="3592213"/>
-          <a:ext cx="1259085" cy="629542"/>
-        </a:xfrm>
-        <a:prstGeom prst="rect">
-          <a:avLst/>
-        </a:prstGeom>
-        <a:solidFill>
-          <a:schemeClr val="accent1">
-            <a:hueOff val="0"/>
-            <a:satOff val="0"/>
-            <a:lumOff val="0"/>
-            <a:alphaOff val="0"/>
-          </a:schemeClr>
-        </a:solidFill>
-        <a:ln w="12700" cap="flat" cmpd="sng" algn="ctr">
-          <a:solidFill>
-            <a:schemeClr val="lt1">
-              <a:hueOff val="0"/>
-              <a:satOff val="0"/>
-              <a:lumOff val="0"/>
-              <a:alphaOff val="0"/>
-            </a:schemeClr>
-          </a:solidFill>
-          <a:prstDash val="solid"/>
-        </a:ln>
-        <a:effectLst/>
-      </dsp:spPr>
-      <dsp:style>
-        <a:lnRef idx="2">
-          <a:scrgbClr r="0" g="0" b="0"/>
-        </a:lnRef>
-        <a:fillRef idx="1">
-          <a:scrgbClr r="0" g="0" b="0"/>
-        </a:fillRef>
-        <a:effectRef idx="0">
-          <a:scrgbClr r="0" g="0" b="0"/>
-        </a:effectRef>
-        <a:fontRef idx="minor">
-          <a:schemeClr val="lt1"/>
-        </a:fontRef>
-      </dsp:style>
-      <dsp:txBody>
-        <a:bodyPr spcFirstLastPara="0" vert="horz" wrap="square" lIns="6985" tIns="6985" rIns="6985" bIns="6985" numCol="1" spcCol="1270" anchor="ctr" anchorCtr="0">
-          <a:noAutofit/>
-        </a:bodyPr>
-        <a:lstStyle/>
-        <a:p>
-          <a:pPr lvl="0" algn="ctr" defTabSz="488950">
-            <a:lnSpc>
-              <a:spcPct val="90000"/>
-            </a:lnSpc>
-            <a:spcBef>
-              <a:spcPct val="0"/>
-            </a:spcBef>
-            <a:spcAft>
-              <a:spcPct val="35000"/>
-            </a:spcAft>
-          </a:pPr>
-          <a:r>
-            <a:rPr lang="en-US" sz="1100" kern="1200" dirty="0" smtClean="0"/>
-            <a:t>Select</a:t>
-          </a:r>
-          <a:endParaRPr lang="en-US" sz="1100" kern="1200" dirty="0"/>
-        </a:p>
-      </dsp:txBody>
-      <dsp:txXfrm>
-        <a:off x="3761981" y="3592213"/>
-        <a:ext cx="1259085" cy="629542"/>
-      </dsp:txXfrm>
-    </dsp:sp>
-    <dsp:sp modelId="{AB52E343-7448-45AE-9ECA-C18F3E293015}">
-      <dsp:nvSpPr>
-        <dsp:cNvPr id="0" name=""/>
-        <dsp:cNvSpPr/>
-      </dsp:nvSpPr>
-      <dsp:spPr>
-        <a:xfrm>
-          <a:off x="6537736" y="2684904"/>
-          <a:ext cx="1259085" cy="629542"/>
-        </a:xfrm>
-        <a:prstGeom prst="rect">
-          <a:avLst/>
-        </a:prstGeom>
-        <a:solidFill>
-          <a:schemeClr val="accent6"/>
-        </a:solidFill>
-        <a:ln w="12700" cap="flat" cmpd="sng" algn="ctr">
-          <a:solidFill>
-            <a:schemeClr val="lt1">
-              <a:hueOff val="0"/>
-              <a:satOff val="0"/>
-              <a:lumOff val="0"/>
-              <a:alphaOff val="0"/>
-            </a:schemeClr>
-          </a:solidFill>
-          <a:prstDash val="solid"/>
-        </a:ln>
-        <a:effectLst/>
-      </dsp:spPr>
-      <dsp:style>
-        <a:lnRef idx="2">
-          <a:scrgbClr r="0" g="0" b="0"/>
-        </a:lnRef>
-        <a:fillRef idx="1">
-          <a:scrgbClr r="0" g="0" b="0"/>
-        </a:fillRef>
-        <a:effectRef idx="0">
-          <a:scrgbClr r="0" g="0" b="0"/>
-        </a:effectRef>
-        <a:fontRef idx="minor">
-          <a:schemeClr val="lt1"/>
-        </a:fontRef>
-      </dsp:style>
-      <dsp:txBody>
-        <a:bodyPr spcFirstLastPara="0" vert="horz" wrap="square" lIns="6985" tIns="6985" rIns="6985" bIns="6985" numCol="1" spcCol="1270" anchor="ctr" anchorCtr="0">
-          <a:noAutofit/>
-        </a:bodyPr>
-        <a:lstStyle/>
-        <a:p>
-          <a:pPr lvl="0" algn="ctr" defTabSz="488950">
-            <a:lnSpc>
-              <a:spcPct val="90000"/>
-            </a:lnSpc>
-            <a:spcBef>
-              <a:spcPct val="0"/>
-            </a:spcBef>
-            <a:spcAft>
-              <a:spcPct val="35000"/>
-            </a:spcAft>
-          </a:pPr>
-          <a:r>
-            <a:rPr lang="en-US" sz="1100" kern="1200" dirty="0" err="1" smtClean="0"/>
-            <a:t>CustomerDetailView</a:t>
-          </a:r>
-          <a:endParaRPr lang="en-US" sz="1100" kern="1200" dirty="0"/>
-        </a:p>
-      </dsp:txBody>
-      <dsp:txXfrm>
-        <a:off x="6537736" y="2684904"/>
-        <a:ext cx="1259085" cy="629542"/>
-      </dsp:txXfrm>
-    </dsp:sp>
-    <dsp:sp modelId="{32D5BFF2-DAEF-4BE0-A41D-A36B529F6841}">
-      <dsp:nvSpPr>
-        <dsp:cNvPr id="0" name=""/>
-        <dsp:cNvSpPr/>
-      </dsp:nvSpPr>
-      <dsp:spPr>
-        <a:xfrm>
-          <a:off x="6852508" y="3578855"/>
-          <a:ext cx="1259085" cy="629542"/>
-        </a:xfrm>
-        <a:prstGeom prst="rect">
-          <a:avLst/>
-        </a:prstGeom>
-        <a:solidFill>
-          <a:schemeClr val="accent1">
-            <a:hueOff val="0"/>
-            <a:satOff val="0"/>
-            <a:lumOff val="0"/>
-            <a:alphaOff val="0"/>
-          </a:schemeClr>
-        </a:solidFill>
-        <a:ln w="12700" cap="flat" cmpd="sng" algn="ctr">
-          <a:solidFill>
-            <a:schemeClr val="lt1">
-              <a:hueOff val="0"/>
-              <a:satOff val="0"/>
-              <a:lumOff val="0"/>
-              <a:alphaOff val="0"/>
-            </a:schemeClr>
-          </a:solidFill>
-          <a:prstDash val="solid"/>
-        </a:ln>
-        <a:effectLst/>
-      </dsp:spPr>
-      <dsp:style>
-        <a:lnRef idx="2">
-          <a:scrgbClr r="0" g="0" b="0"/>
-        </a:lnRef>
-        <a:fillRef idx="1">
-          <a:scrgbClr r="0" g="0" b="0"/>
-        </a:fillRef>
-        <a:effectRef idx="0">
-          <a:scrgbClr r="0" g="0" b="0"/>
-        </a:effectRef>
-        <a:fontRef idx="minor">
-          <a:schemeClr val="lt1"/>
-        </a:fontRef>
-      </dsp:style>
-      <dsp:txBody>
-        <a:bodyPr spcFirstLastPara="0" vert="horz" wrap="square" lIns="6985" tIns="6985" rIns="6985" bIns="6985" numCol="1" spcCol="1270" anchor="ctr" anchorCtr="0">
-          <a:noAutofit/>
-        </a:bodyPr>
-        <a:lstStyle/>
-        <a:p>
-          <a:pPr lvl="0" algn="ctr" defTabSz="488950">
-            <a:lnSpc>
-              <a:spcPct val="90000"/>
-            </a:lnSpc>
-            <a:spcBef>
-              <a:spcPct val="0"/>
-            </a:spcBef>
-            <a:spcAft>
-              <a:spcPct val="35000"/>
-            </a:spcAft>
-          </a:pPr>
-          <a:r>
-            <a:rPr lang="en-US" sz="1100" kern="1200" dirty="0" smtClean="0"/>
-            <a:t>Column</a:t>
-          </a:r>
-          <a:endParaRPr lang="en-US" sz="1100" kern="1200" dirty="0"/>
-        </a:p>
-      </dsp:txBody>
-      <dsp:txXfrm>
-        <a:off x="6852508" y="3578855"/>
-        <a:ext cx="1259085" cy="629542"/>
-      </dsp:txXfrm>
-    </dsp:sp>
-    <dsp:sp modelId="{7EA5C7CD-8001-4B31-80BA-BE3C4608FB60}">
-      <dsp:nvSpPr>
-        <dsp:cNvPr id="0" name=""/>
-        <dsp:cNvSpPr/>
-      </dsp:nvSpPr>
-      <dsp:spPr>
-        <a:xfrm>
-          <a:off x="8061230" y="2684904"/>
-          <a:ext cx="1259085" cy="629542"/>
-        </a:xfrm>
-        <a:prstGeom prst="rect">
-          <a:avLst/>
-        </a:prstGeom>
-        <a:solidFill>
-          <a:schemeClr val="accent3"/>
-        </a:solidFill>
-        <a:ln w="12700" cap="flat" cmpd="sng" algn="ctr">
-          <a:solidFill>
-            <a:schemeClr val="lt1">
-              <a:hueOff val="0"/>
-              <a:satOff val="0"/>
-              <a:lumOff val="0"/>
-              <a:alphaOff val="0"/>
-            </a:schemeClr>
-          </a:solidFill>
-          <a:prstDash val="solid"/>
-        </a:ln>
-        <a:effectLst/>
-      </dsp:spPr>
-      <dsp:style>
-        <a:lnRef idx="2">
-          <a:scrgbClr r="0" g="0" b="0"/>
-        </a:lnRef>
-        <a:fillRef idx="1">
-          <a:scrgbClr r="0" g="0" b="0"/>
-        </a:fillRef>
-        <a:effectRef idx="0">
-          <a:scrgbClr r="0" g="0" b="0"/>
-        </a:effectRef>
-        <a:fontRef idx="minor">
-          <a:schemeClr val="lt1"/>
-        </a:fontRef>
-      </dsp:style>
-      <dsp:txBody>
-        <a:bodyPr spcFirstLastPara="0" vert="horz" wrap="square" lIns="6985" tIns="6985" rIns="6985" bIns="6985" numCol="1" spcCol="1270" anchor="ctr" anchorCtr="0">
-          <a:noAutofit/>
-        </a:bodyPr>
-        <a:lstStyle/>
-        <a:p>
-          <a:pPr lvl="0" algn="ctr" defTabSz="488950">
-            <a:lnSpc>
-              <a:spcPct val="90000"/>
-            </a:lnSpc>
-            <a:spcBef>
-              <a:spcPct val="0"/>
-            </a:spcBef>
-            <a:spcAft>
-              <a:spcPct val="35000"/>
-            </a:spcAft>
-          </a:pPr>
-          <a:r>
-            <a:rPr lang="en-US" sz="1100" kern="1200" dirty="0" err="1" smtClean="0"/>
-            <a:t>CustomerSection</a:t>
-          </a:r>
-          <a:r>
-            <a:rPr lang="en-US" sz="1100" kern="1200" dirty="0" smtClean="0"/>
-            <a:t> (repeating as deep as necessary)</a:t>
-          </a:r>
-          <a:endParaRPr lang="en-US" sz="1100" kern="1200" dirty="0"/>
-        </a:p>
-      </dsp:txBody>
-      <dsp:txXfrm>
-        <a:off x="8061230" y="2684904"/>
-        <a:ext cx="1259085" cy="629542"/>
-      </dsp:txXfrm>
-    </dsp:sp>
   </dsp:spTree>
 </dsp:drawing>
 </file>
@@ -6795,7 +5237,7 @@
           <a:p>
             <a:fld id="{7FB667E1-E601-4AAF-B95C-B25720D70A60}" type="slidenum">
               <a:rPr lang="en-US" smtClean="0"/>
-              <a:t>3</a:t>
+              <a:t>4</a:t>
             </a:fld>
             <a:endParaRPr lang="en-US" dirty="0"/>
           </a:p>
@@ -6883,7 +5325,7 @@
           <a:p>
             <a:fld id="{7FB667E1-E601-4AAF-B95C-B25720D70A60}" type="slidenum">
               <a:rPr lang="en-US" smtClean="0"/>
-              <a:t>5</a:t>
+              <a:t>6</a:t>
             </a:fld>
             <a:endParaRPr lang="en-US" dirty="0"/>
           </a:p>
@@ -6975,7 +5417,7 @@
           <a:p>
             <a:fld id="{7FB667E1-E601-4AAF-B95C-B25720D70A60}" type="slidenum">
               <a:rPr lang="en-US" smtClean="0"/>
-              <a:t>6</a:t>
+              <a:t>7</a:t>
             </a:fld>
             <a:endParaRPr lang="en-US" dirty="0"/>
           </a:p>
@@ -11498,6 +9940,78 @@
       </p:grpSpPr>
       <p:sp>
         <p:nvSpPr>
+          <p:cNvPr id="4" name="Title 3"/>
+          <p:cNvSpPr>
+            <a:spLocks noGrp="1"/>
+          </p:cNvSpPr>
+          <p:nvPr>
+            <p:ph type="title"/>
+          </p:nvPr>
+        </p:nvSpPr>
+        <p:spPr>
+          <a:xfrm>
+            <a:off x="1341120" y="2362200"/>
+            <a:ext cx="9509760" cy="1233424"/>
+          </a:xfrm>
+        </p:spPr>
+        <p:txBody>
+          <a:bodyPr>
+            <a:noAutofit/>
+          </a:bodyPr>
+          <a:lstStyle/>
+          <a:p>
+            <a:r>
+              <a:rPr lang="en-US" sz="9600" dirty="0" smtClean="0"/>
+              <a:t>Demo</a:t>
+            </a:r>
+            <a:endParaRPr lang="en-US" sz="9600" dirty="0"/>
+          </a:p>
+        </p:txBody>
+      </p:sp>
+    </p:spTree>
+    <p:extLst>
+      <p:ext uri="{BB962C8B-B14F-4D97-AF65-F5344CB8AC3E}">
+        <p14:creationId xmlns:p14="http://schemas.microsoft.com/office/powerpoint/2010/main" val="1016110187"/>
+      </p:ext>
+    </p:extLst>
+  </p:cSld>
+  <p:clrMapOvr>
+    <a:masterClrMapping/>
+  </p:clrMapOvr>
+  <mc:AlternateContent xmlns:mc="http://schemas.openxmlformats.org/markup-compatibility/2006" xmlns:p14="http://schemas.microsoft.com/office/powerpoint/2010/main">
+    <mc:Choice Requires="p14">
+      <p:transition spd="med" p14:dur="700">
+        <p:fade/>
+      </p:transition>
+    </mc:Choice>
+    <mc:Fallback xmlns="">
+      <p:transition spd="med">
+        <p:fade/>
+      </p:transition>
+    </mc:Fallback>
+  </mc:AlternateContent>
+</p:sld>
+</file>
+
+<file path=ppt/slides/slide3.xml><?xml version="1.0" encoding="utf-8"?>
+<p:sld xmlns:a="http://schemas.openxmlformats.org/drawingml/2006/main" xmlns:r="http://schemas.openxmlformats.org/officeDocument/2006/relationships" xmlns:p="http://schemas.openxmlformats.org/presentationml/2006/main">
+  <p:cSld>
+    <p:spTree>
+      <p:nvGrpSpPr>
+        <p:cNvPr id="1" name=""/>
+        <p:cNvGrpSpPr/>
+        <p:nvPr/>
+      </p:nvGrpSpPr>
+      <p:grpSpPr>
+        <a:xfrm>
+          <a:off x="0" y="0"/>
+          <a:ext cx="0" cy="0"/>
+          <a:chOff x="0" y="0"/>
+          <a:chExt cx="0" cy="0"/>
+        </a:xfrm>
+      </p:grpSpPr>
+      <p:sp>
+        <p:nvSpPr>
           <p:cNvPr id="3" name="Title 2"/>
           <p:cNvSpPr>
             <a:spLocks noGrp="1"/>
@@ -11550,8 +10064,20 @@
             <a:pPr lvl="1"/>
             <a:r>
               <a:rPr lang="en-US" dirty="0" smtClean="0"/>
-              <a:t>Evaluates every function call from the template.</a:t>
-            </a:r>
+              <a:t>Evaluates every function call from the template</a:t>
+            </a:r>
+            <a:r>
+              <a:rPr lang="en-US" dirty="0" smtClean="0"/>
+              <a:t>.</a:t>
+            </a:r>
+          </a:p>
+          <a:p>
+            <a:pPr lvl="1"/>
+            <a:r>
+              <a:rPr lang="en-US" dirty="0" smtClean="0"/>
+              <a:t>HTTP responses trigger change detection.</a:t>
+            </a:r>
+            <a:endParaRPr lang="en-US" dirty="0" smtClean="0"/>
           </a:p>
           <a:p>
             <a:r>
@@ -11574,7 +10100,30 @@
             <a:pPr lvl="1"/>
             <a:r>
               <a:rPr lang="en-US" dirty="0" smtClean="0"/>
-              <a:t>Assumes that components that have the same reference for @Inputs are unchanged. It and all descendants are not checked.</a:t>
+              <a:t>Assumes that components that have the same reference for @Inputs are unchanged. It and all descendants are not checked</a:t>
+            </a:r>
+            <a:r>
+              <a:rPr lang="en-US" dirty="0" smtClean="0"/>
+              <a:t>.</a:t>
+            </a:r>
+          </a:p>
+          <a:p>
+            <a:pPr lvl="1"/>
+            <a:r>
+              <a:rPr lang="en-US" dirty="0"/>
+              <a:t>HTTP responses </a:t>
+            </a:r>
+            <a:r>
+              <a:rPr lang="en-US" smtClean="0"/>
+              <a:t>do not trigger </a:t>
+            </a:r>
+            <a:r>
+              <a:rPr lang="en-US" dirty="0"/>
+              <a:t>change detection</a:t>
+            </a:r>
+            <a:r>
+              <a:rPr lang="en-US" dirty="0" smtClean="0"/>
+              <a:t>.</a:t>
             </a:r>
             <a:endParaRPr lang="en-US" dirty="0"/>
           </a:p>
@@ -11612,7 +10161,7 @@
 </p:sld>
 </file>
 
-<file path=ppt/slides/slide3.xml><?xml version="1.0" encoding="utf-8"?>
+<file path=ppt/slides/slide4.xml><?xml version="1.0" encoding="utf-8"?>
 <p:sld xmlns:a="http://schemas.openxmlformats.org/drawingml/2006/main" xmlns:r="http://schemas.openxmlformats.org/officeDocument/2006/relationships" xmlns:p="http://schemas.openxmlformats.org/presentationml/2006/main">
   <p:cSld>
     <p:spTree>
@@ -11711,7 +10260,7 @@
 </p:sld>
 </file>
 
-<file path=ppt/slides/slide4.xml><?xml version="1.0" encoding="utf-8"?>
+<file path=ppt/slides/slide5.xml><?xml version="1.0" encoding="utf-8"?>
 <p:sld xmlns:a="http://schemas.openxmlformats.org/drawingml/2006/main" xmlns:r="http://schemas.openxmlformats.org/officeDocument/2006/relationships" xmlns:p="http://schemas.openxmlformats.org/presentationml/2006/main">
   <p:cSld>
     <p:spTree>
@@ -11788,7 +10337,11 @@
           <a:p>
             <a:r>
               <a:rPr lang="en-US" dirty="0" smtClean="0"/>
-              <a:t>Re-architect for primarily using presentation components.</a:t>
+              <a:t>Re-architect for primarily using presentation components</a:t>
+            </a:r>
+            <a:r>
+              <a:rPr lang="en-US" dirty="0" smtClean="0"/>
+              <a:t>.</a:t>
             </a:r>
             <a:endParaRPr lang="en-US" dirty="0"/>
           </a:p>
@@ -11826,7 +10379,7 @@
 </p:sld>
 </file>
 
-<file path=ppt/slides/slide5.xml><?xml version="1.0" encoding="utf-8"?>
+<file path=ppt/slides/slide6.xml><?xml version="1.0" encoding="utf-8"?>
 <p:sld xmlns:a="http://schemas.openxmlformats.org/drawingml/2006/main" xmlns:r="http://schemas.openxmlformats.org/officeDocument/2006/relationships" xmlns:p="http://schemas.openxmlformats.org/presentationml/2006/main">
   <p:cSld>
     <p:spTree>
@@ -11899,7 +10452,7 @@
 </p:sld>
 </file>
 
-<file path=ppt/slides/slide6.xml><?xml version="1.0" encoding="utf-8"?>
+<file path=ppt/slides/slide7.xml><?xml version="1.0" encoding="utf-8"?>
 <p:sld xmlns:a="http://schemas.openxmlformats.org/drawingml/2006/main" xmlns:r="http://schemas.openxmlformats.org/officeDocument/2006/relationships" xmlns:p="http://schemas.openxmlformats.org/presentationml/2006/main">
   <p:cSld>
     <p:spTree>
